--- a/Welcome.pptx
+++ b/Welcome.pptx
@@ -116,6 +116,3002 @@
 </p:presentation>
 </file>
 
+<file path=ppt/diagrams/colors1.xml><?xml version="1.0" encoding="utf-8"?>
+<dgm:colorsDef xmlns:dgm="http://schemas.openxmlformats.org/drawingml/2006/diagram" xmlns:a="http://schemas.openxmlformats.org/drawingml/2006/main" uniqueId="urn:microsoft.com/office/officeart/2005/8/colors/accent1_2">
+  <dgm:title val=""/>
+  <dgm:desc val=""/>
+  <dgm:catLst>
+    <dgm:cat type="accent1" pri="11200"/>
+  </dgm:catLst>
+  <dgm:styleLbl name="node0">
+    <dgm:fillClrLst meth="repeat">
+      <a:schemeClr val="accent1"/>
+    </dgm:fillClrLst>
+    <dgm:linClrLst meth="repeat">
+      <a:schemeClr val="lt1"/>
+    </dgm:linClrLst>
+    <dgm:effectClrLst/>
+    <dgm:txLinClrLst/>
+    <dgm:txFillClrLst/>
+    <dgm:txEffectClrLst/>
+  </dgm:styleLbl>
+  <dgm:styleLbl name="alignNode1">
+    <dgm:fillClrLst meth="repeat">
+      <a:schemeClr val="accent1"/>
+    </dgm:fillClrLst>
+    <dgm:linClrLst meth="repeat">
+      <a:schemeClr val="accent1"/>
+    </dgm:linClrLst>
+    <dgm:effectClrLst/>
+    <dgm:txLinClrLst/>
+    <dgm:txFillClrLst/>
+    <dgm:txEffectClrLst/>
+  </dgm:styleLbl>
+  <dgm:styleLbl name="node1">
+    <dgm:fillClrLst meth="repeat">
+      <a:schemeClr val="accent1"/>
+    </dgm:fillClrLst>
+    <dgm:linClrLst meth="repeat">
+      <a:schemeClr val="lt1"/>
+    </dgm:linClrLst>
+    <dgm:effectClrLst/>
+    <dgm:txLinClrLst/>
+    <dgm:txFillClrLst/>
+    <dgm:txEffectClrLst/>
+  </dgm:styleLbl>
+  <dgm:styleLbl name="lnNode1">
+    <dgm:fillClrLst meth="repeat">
+      <a:schemeClr val="accent1"/>
+    </dgm:fillClrLst>
+    <dgm:linClrLst meth="repeat">
+      <a:schemeClr val="lt1"/>
+    </dgm:linClrLst>
+    <dgm:effectClrLst/>
+    <dgm:txLinClrLst/>
+    <dgm:txFillClrLst/>
+    <dgm:txEffectClrLst/>
+  </dgm:styleLbl>
+  <dgm:styleLbl name="vennNode1">
+    <dgm:fillClrLst meth="repeat">
+      <a:schemeClr val="accent1">
+        <a:alpha val="50000"/>
+      </a:schemeClr>
+    </dgm:fillClrLst>
+    <dgm:linClrLst meth="repeat">
+      <a:schemeClr val="lt1"/>
+    </dgm:linClrLst>
+    <dgm:effectClrLst/>
+    <dgm:txLinClrLst/>
+    <dgm:txFillClrLst/>
+    <dgm:txEffectClrLst/>
+  </dgm:styleLbl>
+  <dgm:styleLbl name="node2">
+    <dgm:fillClrLst meth="repeat">
+      <a:schemeClr val="accent1"/>
+    </dgm:fillClrLst>
+    <dgm:linClrLst meth="repeat">
+      <a:schemeClr val="lt1"/>
+    </dgm:linClrLst>
+    <dgm:effectClrLst/>
+    <dgm:txLinClrLst/>
+    <dgm:txFillClrLst/>
+    <dgm:txEffectClrLst/>
+  </dgm:styleLbl>
+  <dgm:styleLbl name="node3">
+    <dgm:fillClrLst meth="repeat">
+      <a:schemeClr val="accent1"/>
+    </dgm:fillClrLst>
+    <dgm:linClrLst meth="repeat">
+      <a:schemeClr val="lt1"/>
+    </dgm:linClrLst>
+    <dgm:effectClrLst/>
+    <dgm:txLinClrLst/>
+    <dgm:txFillClrLst/>
+    <dgm:txEffectClrLst/>
+  </dgm:styleLbl>
+  <dgm:styleLbl name="node4">
+    <dgm:fillClrLst meth="repeat">
+      <a:schemeClr val="accent1"/>
+    </dgm:fillClrLst>
+    <dgm:linClrLst meth="repeat">
+      <a:schemeClr val="lt1"/>
+    </dgm:linClrLst>
+    <dgm:effectClrLst/>
+    <dgm:txLinClrLst/>
+    <dgm:txFillClrLst/>
+    <dgm:txEffectClrLst/>
+  </dgm:styleLbl>
+  <dgm:styleLbl name="fgImgPlace1">
+    <dgm:fillClrLst meth="repeat">
+      <a:schemeClr val="accent1">
+        <a:tint val="50000"/>
+      </a:schemeClr>
+    </dgm:fillClrLst>
+    <dgm:linClrLst meth="repeat">
+      <a:schemeClr val="lt1"/>
+    </dgm:linClrLst>
+    <dgm:effectClrLst/>
+    <dgm:txLinClrLst/>
+    <dgm:txFillClrLst meth="repeat">
+      <a:schemeClr val="lt1"/>
+    </dgm:txFillClrLst>
+    <dgm:txEffectClrLst/>
+  </dgm:styleLbl>
+  <dgm:styleLbl name="alignImgPlace1">
+    <dgm:fillClrLst meth="repeat">
+      <a:schemeClr val="accent1">
+        <a:tint val="50000"/>
+      </a:schemeClr>
+    </dgm:fillClrLst>
+    <dgm:linClrLst meth="repeat">
+      <a:schemeClr val="lt1"/>
+    </dgm:linClrLst>
+    <dgm:effectClrLst/>
+    <dgm:txLinClrLst/>
+    <dgm:txFillClrLst meth="repeat">
+      <a:schemeClr val="lt1"/>
+    </dgm:txFillClrLst>
+    <dgm:txEffectClrLst/>
+  </dgm:styleLbl>
+  <dgm:styleLbl name="bgImgPlace1">
+    <dgm:fillClrLst meth="repeat">
+      <a:schemeClr val="accent1">
+        <a:tint val="50000"/>
+      </a:schemeClr>
+    </dgm:fillClrLst>
+    <dgm:linClrLst meth="repeat">
+      <a:schemeClr val="lt1"/>
+    </dgm:linClrLst>
+    <dgm:effectClrLst/>
+    <dgm:txLinClrLst/>
+    <dgm:txFillClrLst meth="repeat">
+      <a:schemeClr val="lt1"/>
+    </dgm:txFillClrLst>
+    <dgm:txEffectClrLst/>
+  </dgm:styleLbl>
+  <dgm:styleLbl name="sibTrans2D1">
+    <dgm:fillClrLst meth="repeat">
+      <a:schemeClr val="accent1">
+        <a:tint val="60000"/>
+      </a:schemeClr>
+    </dgm:fillClrLst>
+    <dgm:linClrLst meth="repeat">
+      <a:schemeClr val="accent1">
+        <a:tint val="60000"/>
+      </a:schemeClr>
+    </dgm:linClrLst>
+    <dgm:effectClrLst/>
+    <dgm:txLinClrLst/>
+    <dgm:txFillClrLst/>
+    <dgm:txEffectClrLst/>
+  </dgm:styleLbl>
+  <dgm:styleLbl name="fgSibTrans2D1">
+    <dgm:fillClrLst meth="repeat">
+      <a:schemeClr val="accent1">
+        <a:tint val="60000"/>
+      </a:schemeClr>
+    </dgm:fillClrLst>
+    <dgm:linClrLst meth="repeat">
+      <a:schemeClr val="accent1">
+        <a:tint val="60000"/>
+      </a:schemeClr>
+    </dgm:linClrLst>
+    <dgm:effectClrLst/>
+    <dgm:txLinClrLst/>
+    <dgm:txFillClrLst/>
+    <dgm:txEffectClrLst/>
+  </dgm:styleLbl>
+  <dgm:styleLbl name="bgSibTrans2D1">
+    <dgm:fillClrLst meth="repeat">
+      <a:schemeClr val="accent1">
+        <a:tint val="60000"/>
+      </a:schemeClr>
+    </dgm:fillClrLst>
+    <dgm:linClrLst meth="repeat">
+      <a:schemeClr val="accent1">
+        <a:tint val="60000"/>
+      </a:schemeClr>
+    </dgm:linClrLst>
+    <dgm:effectClrLst/>
+    <dgm:txLinClrLst/>
+    <dgm:txFillClrLst/>
+    <dgm:txEffectClrLst/>
+  </dgm:styleLbl>
+  <dgm:styleLbl name="sibTrans1D1">
+    <dgm:fillClrLst meth="repeat">
+      <a:schemeClr val="accent1"/>
+    </dgm:fillClrLst>
+    <dgm:linClrLst meth="repeat">
+      <a:schemeClr val="accent1"/>
+    </dgm:linClrLst>
+    <dgm:effectClrLst/>
+    <dgm:txLinClrLst/>
+    <dgm:txFillClrLst meth="repeat">
+      <a:schemeClr val="tx1"/>
+    </dgm:txFillClrLst>
+    <dgm:txEffectClrLst/>
+  </dgm:styleLbl>
+  <dgm:styleLbl name="callout">
+    <dgm:fillClrLst meth="repeat">
+      <a:schemeClr val="accent1"/>
+    </dgm:fillClrLst>
+    <dgm:linClrLst meth="repeat">
+      <a:schemeClr val="accent1">
+        <a:tint val="50000"/>
+      </a:schemeClr>
+    </dgm:linClrLst>
+    <dgm:effectClrLst/>
+    <dgm:txLinClrLst/>
+    <dgm:txFillClrLst meth="repeat">
+      <a:schemeClr val="tx1"/>
+    </dgm:txFillClrLst>
+    <dgm:txEffectClrLst/>
+  </dgm:styleLbl>
+  <dgm:styleLbl name="asst0">
+    <dgm:fillClrLst meth="repeat">
+      <a:schemeClr val="accent1"/>
+    </dgm:fillClrLst>
+    <dgm:linClrLst meth="repeat">
+      <a:schemeClr val="lt1"/>
+    </dgm:linClrLst>
+    <dgm:effectClrLst/>
+    <dgm:txLinClrLst/>
+    <dgm:txFillClrLst/>
+    <dgm:txEffectClrLst/>
+  </dgm:styleLbl>
+  <dgm:styleLbl name="asst1">
+    <dgm:fillClrLst meth="repeat">
+      <a:schemeClr val="accent1"/>
+    </dgm:fillClrLst>
+    <dgm:linClrLst meth="repeat">
+      <a:schemeClr val="lt1"/>
+    </dgm:linClrLst>
+    <dgm:effectClrLst/>
+    <dgm:txLinClrLst/>
+    <dgm:txFillClrLst/>
+    <dgm:txEffectClrLst/>
+  </dgm:styleLbl>
+  <dgm:styleLbl name="asst2">
+    <dgm:fillClrLst meth="repeat">
+      <a:schemeClr val="accent1"/>
+    </dgm:fillClrLst>
+    <dgm:linClrLst meth="repeat">
+      <a:schemeClr val="lt1"/>
+    </dgm:linClrLst>
+    <dgm:effectClrLst/>
+    <dgm:txLinClrLst/>
+    <dgm:txFillClrLst/>
+    <dgm:txEffectClrLst/>
+  </dgm:styleLbl>
+  <dgm:styleLbl name="asst3">
+    <dgm:fillClrLst meth="repeat">
+      <a:schemeClr val="accent1"/>
+    </dgm:fillClrLst>
+    <dgm:linClrLst meth="repeat">
+      <a:schemeClr val="lt1"/>
+    </dgm:linClrLst>
+    <dgm:effectClrLst/>
+    <dgm:txLinClrLst/>
+    <dgm:txFillClrLst/>
+    <dgm:txEffectClrLst/>
+  </dgm:styleLbl>
+  <dgm:styleLbl name="asst4">
+    <dgm:fillClrLst meth="repeat">
+      <a:schemeClr val="accent1"/>
+    </dgm:fillClrLst>
+    <dgm:linClrLst meth="repeat">
+      <a:schemeClr val="lt1"/>
+    </dgm:linClrLst>
+    <dgm:effectClrLst/>
+    <dgm:txLinClrLst/>
+    <dgm:txFillClrLst/>
+    <dgm:txEffectClrLst/>
+  </dgm:styleLbl>
+  <dgm:styleLbl name="parChTrans2D1">
+    <dgm:fillClrLst meth="repeat">
+      <a:schemeClr val="accent1">
+        <a:tint val="60000"/>
+      </a:schemeClr>
+    </dgm:fillClrLst>
+    <dgm:linClrLst meth="repeat">
+      <a:schemeClr val="accent1">
+        <a:tint val="60000"/>
+      </a:schemeClr>
+    </dgm:linClrLst>
+    <dgm:effectClrLst/>
+    <dgm:txLinClrLst/>
+    <dgm:txFillClrLst meth="repeat">
+      <a:schemeClr val="lt1"/>
+    </dgm:txFillClrLst>
+    <dgm:txEffectClrLst/>
+  </dgm:styleLbl>
+  <dgm:styleLbl name="parChTrans2D2">
+    <dgm:fillClrLst meth="repeat">
+      <a:schemeClr val="accent1"/>
+    </dgm:fillClrLst>
+    <dgm:linClrLst meth="repeat">
+      <a:schemeClr val="accent1"/>
+    </dgm:linClrLst>
+    <dgm:effectClrLst/>
+    <dgm:txLinClrLst/>
+    <dgm:txFillClrLst meth="repeat">
+      <a:schemeClr val="lt1"/>
+    </dgm:txFillClrLst>
+    <dgm:txEffectClrLst/>
+  </dgm:styleLbl>
+  <dgm:styleLbl name="parChTrans2D3">
+    <dgm:fillClrLst meth="repeat">
+      <a:schemeClr val="accent1"/>
+    </dgm:fillClrLst>
+    <dgm:linClrLst meth="repeat">
+      <a:schemeClr val="accent1"/>
+    </dgm:linClrLst>
+    <dgm:effectClrLst/>
+    <dgm:txLinClrLst/>
+    <dgm:txFillClrLst meth="repeat">
+      <a:schemeClr val="lt1"/>
+    </dgm:txFillClrLst>
+    <dgm:txEffectClrLst/>
+  </dgm:styleLbl>
+  <dgm:styleLbl name="parChTrans2D4">
+    <dgm:fillClrLst meth="repeat">
+      <a:schemeClr val="accent1"/>
+    </dgm:fillClrLst>
+    <dgm:linClrLst meth="repeat">
+      <a:schemeClr val="accent1"/>
+    </dgm:linClrLst>
+    <dgm:effectClrLst/>
+    <dgm:txLinClrLst/>
+    <dgm:txFillClrLst meth="repeat">
+      <a:schemeClr val="lt1"/>
+    </dgm:txFillClrLst>
+    <dgm:txEffectClrLst/>
+  </dgm:styleLbl>
+  <dgm:styleLbl name="parChTrans1D1">
+    <dgm:fillClrLst meth="repeat">
+      <a:schemeClr val="accent1"/>
+    </dgm:fillClrLst>
+    <dgm:linClrLst meth="repeat">
+      <a:schemeClr val="accent1">
+        <a:shade val="60000"/>
+      </a:schemeClr>
+    </dgm:linClrLst>
+    <dgm:effectClrLst/>
+    <dgm:txLinClrLst/>
+    <dgm:txFillClrLst meth="repeat">
+      <a:schemeClr val="tx1"/>
+    </dgm:txFillClrLst>
+    <dgm:txEffectClrLst/>
+  </dgm:styleLbl>
+  <dgm:styleLbl name="parChTrans1D2">
+    <dgm:fillClrLst meth="repeat">
+      <a:schemeClr val="accent1"/>
+    </dgm:fillClrLst>
+    <dgm:linClrLst meth="repeat">
+      <a:schemeClr val="accent1">
+        <a:shade val="60000"/>
+      </a:schemeClr>
+    </dgm:linClrLst>
+    <dgm:effectClrLst/>
+    <dgm:txLinClrLst/>
+    <dgm:txFillClrLst meth="repeat">
+      <a:schemeClr val="tx1"/>
+    </dgm:txFillClrLst>
+    <dgm:txEffectClrLst/>
+  </dgm:styleLbl>
+  <dgm:styleLbl name="parChTrans1D3">
+    <dgm:fillClrLst meth="repeat">
+      <a:schemeClr val="accent1"/>
+    </dgm:fillClrLst>
+    <dgm:linClrLst meth="repeat">
+      <a:schemeClr val="accent1">
+        <a:shade val="80000"/>
+      </a:schemeClr>
+    </dgm:linClrLst>
+    <dgm:effectClrLst/>
+    <dgm:txLinClrLst/>
+    <dgm:txFillClrLst meth="repeat">
+      <a:schemeClr val="tx1"/>
+    </dgm:txFillClrLst>
+    <dgm:txEffectClrLst/>
+  </dgm:styleLbl>
+  <dgm:styleLbl name="parChTrans1D4">
+    <dgm:fillClrLst meth="repeat">
+      <a:schemeClr val="accent1"/>
+    </dgm:fillClrLst>
+    <dgm:linClrLst meth="repeat">
+      <a:schemeClr val="accent1">
+        <a:shade val="80000"/>
+      </a:schemeClr>
+    </dgm:linClrLst>
+    <dgm:effectClrLst/>
+    <dgm:txLinClrLst/>
+    <dgm:txFillClrLst meth="repeat">
+      <a:schemeClr val="tx1"/>
+    </dgm:txFillClrLst>
+    <dgm:txEffectClrLst/>
+  </dgm:styleLbl>
+  <dgm:styleLbl name="fgAcc1">
+    <dgm:fillClrLst meth="repeat">
+      <a:schemeClr val="lt1">
+        <a:alpha val="90000"/>
+      </a:schemeClr>
+    </dgm:fillClrLst>
+    <dgm:linClrLst meth="repeat">
+      <a:schemeClr val="accent1"/>
+    </dgm:linClrLst>
+    <dgm:effectClrLst/>
+    <dgm:txLinClrLst/>
+    <dgm:txFillClrLst meth="repeat">
+      <a:schemeClr val="dk1"/>
+    </dgm:txFillClrLst>
+    <dgm:txEffectClrLst/>
+  </dgm:styleLbl>
+  <dgm:styleLbl name="conFgAcc1">
+    <dgm:fillClrLst meth="repeat">
+      <a:schemeClr val="lt1">
+        <a:alpha val="90000"/>
+      </a:schemeClr>
+    </dgm:fillClrLst>
+    <dgm:linClrLst meth="repeat">
+      <a:schemeClr val="accent1"/>
+    </dgm:linClrLst>
+    <dgm:effectClrLst/>
+    <dgm:txLinClrLst/>
+    <dgm:txFillClrLst meth="repeat">
+      <a:schemeClr val="dk1"/>
+    </dgm:txFillClrLst>
+    <dgm:txEffectClrLst/>
+  </dgm:styleLbl>
+  <dgm:styleLbl name="alignAcc1">
+    <dgm:fillClrLst meth="repeat">
+      <a:schemeClr val="lt1">
+        <a:alpha val="90000"/>
+      </a:schemeClr>
+    </dgm:fillClrLst>
+    <dgm:linClrLst meth="repeat">
+      <a:schemeClr val="accent1"/>
+    </dgm:linClrLst>
+    <dgm:effectClrLst/>
+    <dgm:txLinClrLst/>
+    <dgm:txFillClrLst meth="repeat">
+      <a:schemeClr val="dk1"/>
+    </dgm:txFillClrLst>
+    <dgm:txEffectClrLst/>
+  </dgm:styleLbl>
+  <dgm:styleLbl name="trAlignAcc1">
+    <dgm:fillClrLst meth="repeat">
+      <a:schemeClr val="lt1">
+        <a:alpha val="40000"/>
+      </a:schemeClr>
+    </dgm:fillClrLst>
+    <dgm:linClrLst meth="repeat">
+      <a:schemeClr val="accent1"/>
+    </dgm:linClrLst>
+    <dgm:effectClrLst/>
+    <dgm:txLinClrLst/>
+    <dgm:txFillClrLst meth="repeat">
+      <a:schemeClr val="dk1"/>
+    </dgm:txFillClrLst>
+    <dgm:txEffectClrLst/>
+  </dgm:styleLbl>
+  <dgm:styleLbl name="bgAcc1">
+    <dgm:fillClrLst meth="repeat">
+      <a:schemeClr val="lt1">
+        <a:alpha val="90000"/>
+      </a:schemeClr>
+    </dgm:fillClrLst>
+    <dgm:linClrLst meth="repeat">
+      <a:schemeClr val="accent1"/>
+    </dgm:linClrLst>
+    <dgm:effectClrLst/>
+    <dgm:txLinClrLst/>
+    <dgm:txFillClrLst meth="repeat">
+      <a:schemeClr val="dk1"/>
+    </dgm:txFillClrLst>
+    <dgm:txEffectClrLst/>
+  </dgm:styleLbl>
+  <dgm:styleLbl name="solidFgAcc1">
+    <dgm:fillClrLst meth="repeat">
+      <a:schemeClr val="lt1"/>
+    </dgm:fillClrLst>
+    <dgm:linClrLst meth="repeat">
+      <a:schemeClr val="accent1"/>
+    </dgm:linClrLst>
+    <dgm:effectClrLst/>
+    <dgm:txLinClrLst/>
+    <dgm:txFillClrLst meth="repeat">
+      <a:schemeClr val="dk1"/>
+    </dgm:txFillClrLst>
+    <dgm:txEffectClrLst/>
+  </dgm:styleLbl>
+  <dgm:styleLbl name="solidAlignAcc1">
+    <dgm:fillClrLst meth="repeat">
+      <a:schemeClr val="lt1"/>
+    </dgm:fillClrLst>
+    <dgm:linClrLst meth="repeat">
+      <a:schemeClr val="accent1"/>
+    </dgm:linClrLst>
+    <dgm:effectClrLst/>
+    <dgm:txLinClrLst/>
+    <dgm:txFillClrLst meth="repeat">
+      <a:schemeClr val="dk1"/>
+    </dgm:txFillClrLst>
+    <dgm:txEffectClrLst/>
+  </dgm:styleLbl>
+  <dgm:styleLbl name="solidBgAcc1">
+    <dgm:fillClrLst meth="repeat">
+      <a:schemeClr val="lt1"/>
+    </dgm:fillClrLst>
+    <dgm:linClrLst meth="repeat">
+      <a:schemeClr val="accent1"/>
+    </dgm:linClrLst>
+    <dgm:effectClrLst/>
+    <dgm:txLinClrLst/>
+    <dgm:txFillClrLst meth="repeat">
+      <a:schemeClr val="dk1"/>
+    </dgm:txFillClrLst>
+    <dgm:txEffectClrLst/>
+  </dgm:styleLbl>
+  <dgm:styleLbl name="fgAccFollowNode1">
+    <dgm:fillClrLst meth="repeat">
+      <a:schemeClr val="accent1">
+        <a:alpha val="90000"/>
+        <a:tint val="40000"/>
+      </a:schemeClr>
+    </dgm:fillClrLst>
+    <dgm:linClrLst meth="repeat">
+      <a:schemeClr val="accent1">
+        <a:alpha val="90000"/>
+        <a:tint val="40000"/>
+      </a:schemeClr>
+    </dgm:linClrLst>
+    <dgm:effectClrLst/>
+    <dgm:txLinClrLst/>
+    <dgm:txFillClrLst meth="repeat">
+      <a:schemeClr val="dk1"/>
+    </dgm:txFillClrLst>
+    <dgm:txEffectClrLst/>
+  </dgm:styleLbl>
+  <dgm:styleLbl name="alignAccFollowNode1">
+    <dgm:fillClrLst meth="repeat">
+      <a:schemeClr val="accent1">
+        <a:alpha val="90000"/>
+        <a:tint val="40000"/>
+      </a:schemeClr>
+    </dgm:fillClrLst>
+    <dgm:linClrLst meth="repeat">
+      <a:schemeClr val="accent1">
+        <a:alpha val="90000"/>
+        <a:tint val="40000"/>
+      </a:schemeClr>
+    </dgm:linClrLst>
+    <dgm:effectClrLst/>
+    <dgm:txLinClrLst/>
+    <dgm:txFillClrLst meth="repeat">
+      <a:schemeClr val="dk1"/>
+    </dgm:txFillClrLst>
+    <dgm:txEffectClrLst/>
+  </dgm:styleLbl>
+  <dgm:styleLbl name="bgAccFollowNode1">
+    <dgm:fillClrLst meth="repeat">
+      <a:schemeClr val="accent1">
+        <a:alpha val="90000"/>
+        <a:tint val="40000"/>
+      </a:schemeClr>
+    </dgm:fillClrLst>
+    <dgm:linClrLst meth="repeat">
+      <a:schemeClr val="accent1">
+        <a:alpha val="90000"/>
+        <a:tint val="40000"/>
+      </a:schemeClr>
+    </dgm:linClrLst>
+    <dgm:effectClrLst/>
+    <dgm:txLinClrLst/>
+    <dgm:txFillClrLst meth="repeat">
+      <a:schemeClr val="dk1"/>
+    </dgm:txFillClrLst>
+    <dgm:txEffectClrLst/>
+  </dgm:styleLbl>
+  <dgm:styleLbl name="fgAcc0">
+    <dgm:fillClrLst meth="repeat">
+      <a:schemeClr val="lt1">
+        <a:alpha val="90000"/>
+      </a:schemeClr>
+    </dgm:fillClrLst>
+    <dgm:linClrLst meth="repeat">
+      <a:schemeClr val="accent1"/>
+    </dgm:linClrLst>
+    <dgm:effectClrLst/>
+    <dgm:txLinClrLst/>
+    <dgm:txFillClrLst meth="repeat">
+      <a:schemeClr val="dk1"/>
+    </dgm:txFillClrLst>
+    <dgm:txEffectClrLst/>
+  </dgm:styleLbl>
+  <dgm:styleLbl name="fgAcc2">
+    <dgm:fillClrLst meth="repeat">
+      <a:schemeClr val="lt1">
+        <a:alpha val="90000"/>
+      </a:schemeClr>
+    </dgm:fillClrLst>
+    <dgm:linClrLst meth="repeat">
+      <a:schemeClr val="accent1"/>
+    </dgm:linClrLst>
+    <dgm:effectClrLst/>
+    <dgm:txLinClrLst/>
+    <dgm:txFillClrLst meth="repeat">
+      <a:schemeClr val="dk1"/>
+    </dgm:txFillClrLst>
+    <dgm:txEffectClrLst/>
+  </dgm:styleLbl>
+  <dgm:styleLbl name="fgAcc3">
+    <dgm:fillClrLst meth="repeat">
+      <a:schemeClr val="lt1">
+        <a:alpha val="90000"/>
+      </a:schemeClr>
+    </dgm:fillClrLst>
+    <dgm:linClrLst meth="repeat">
+      <a:schemeClr val="accent1"/>
+    </dgm:linClrLst>
+    <dgm:effectClrLst/>
+    <dgm:txLinClrLst/>
+    <dgm:txFillClrLst meth="repeat">
+      <a:schemeClr val="dk1"/>
+    </dgm:txFillClrLst>
+    <dgm:txEffectClrLst/>
+  </dgm:styleLbl>
+  <dgm:styleLbl name="fgAcc4">
+    <dgm:fillClrLst meth="repeat">
+      <a:schemeClr val="lt1">
+        <a:alpha val="90000"/>
+      </a:schemeClr>
+    </dgm:fillClrLst>
+    <dgm:linClrLst meth="repeat">
+      <a:schemeClr val="accent1"/>
+    </dgm:linClrLst>
+    <dgm:effectClrLst/>
+    <dgm:txLinClrLst/>
+    <dgm:txFillClrLst meth="repeat">
+      <a:schemeClr val="dk1"/>
+    </dgm:txFillClrLst>
+    <dgm:txEffectClrLst/>
+  </dgm:styleLbl>
+  <dgm:styleLbl name="bgShp">
+    <dgm:fillClrLst meth="repeat">
+      <a:schemeClr val="accent1">
+        <a:tint val="40000"/>
+      </a:schemeClr>
+    </dgm:fillClrLst>
+    <dgm:linClrLst meth="repeat">
+      <a:schemeClr val="accent1"/>
+    </dgm:linClrLst>
+    <dgm:effectClrLst/>
+    <dgm:txLinClrLst/>
+    <dgm:txFillClrLst meth="repeat">
+      <a:schemeClr val="dk1"/>
+    </dgm:txFillClrLst>
+    <dgm:txEffectClrLst/>
+  </dgm:styleLbl>
+  <dgm:styleLbl name="dkBgShp">
+    <dgm:fillClrLst meth="repeat">
+      <a:schemeClr val="accent1">
+        <a:shade val="80000"/>
+      </a:schemeClr>
+    </dgm:fillClrLst>
+    <dgm:linClrLst meth="repeat">
+      <a:schemeClr val="accent1"/>
+    </dgm:linClrLst>
+    <dgm:effectClrLst/>
+    <dgm:txLinClrLst/>
+    <dgm:txFillClrLst meth="repeat">
+      <a:schemeClr val="lt1"/>
+    </dgm:txFillClrLst>
+    <dgm:txEffectClrLst/>
+  </dgm:styleLbl>
+  <dgm:styleLbl name="trBgShp">
+    <dgm:fillClrLst meth="repeat">
+      <a:schemeClr val="accent1">
+        <a:tint val="50000"/>
+        <a:alpha val="40000"/>
+      </a:schemeClr>
+    </dgm:fillClrLst>
+    <dgm:linClrLst meth="repeat">
+      <a:schemeClr val="accent1"/>
+    </dgm:linClrLst>
+    <dgm:effectClrLst/>
+    <dgm:txLinClrLst/>
+    <dgm:txFillClrLst meth="repeat">
+      <a:schemeClr val="lt1"/>
+    </dgm:txFillClrLst>
+    <dgm:txEffectClrLst/>
+  </dgm:styleLbl>
+  <dgm:styleLbl name="fgShp">
+    <dgm:fillClrLst meth="repeat">
+      <a:schemeClr val="accent1">
+        <a:tint val="60000"/>
+      </a:schemeClr>
+    </dgm:fillClrLst>
+    <dgm:linClrLst meth="repeat">
+      <a:schemeClr val="lt1"/>
+    </dgm:linClrLst>
+    <dgm:effectClrLst/>
+    <dgm:txLinClrLst/>
+    <dgm:txFillClrLst meth="repeat">
+      <a:schemeClr val="dk1"/>
+    </dgm:txFillClrLst>
+    <dgm:txEffectClrLst/>
+  </dgm:styleLbl>
+  <dgm:styleLbl name="revTx">
+    <dgm:fillClrLst meth="repeat">
+      <a:schemeClr val="lt1">
+        <a:alpha val="0"/>
+      </a:schemeClr>
+    </dgm:fillClrLst>
+    <dgm:linClrLst meth="repeat">
+      <a:schemeClr val="dk1">
+        <a:alpha val="0"/>
+      </a:schemeClr>
+    </dgm:linClrLst>
+    <dgm:effectClrLst/>
+    <dgm:txLinClrLst/>
+    <dgm:txFillClrLst meth="repeat">
+      <a:schemeClr val="tx1"/>
+    </dgm:txFillClrLst>
+    <dgm:txEffectClrLst/>
+  </dgm:styleLbl>
+</dgm:colorsDef>
+</file>
+
+<file path=ppt/diagrams/data1.xml><?xml version="1.0" encoding="utf-8"?>
+<dgm:dataModel xmlns:dgm="http://schemas.openxmlformats.org/drawingml/2006/diagram" xmlns:a="http://schemas.openxmlformats.org/drawingml/2006/main">
+  <dgm:ptLst>
+    <dgm:pt modelId="{28DDAFC7-B614-4742-B073-2A66437F2B28}" type="doc">
+      <dgm:prSet loTypeId="urn:microsoft.com/office/officeart/2005/8/layout/hierarchy1" loCatId="hierarchy" qsTypeId="urn:microsoft.com/office/officeart/2005/8/quickstyle/simple1" qsCatId="simple" csTypeId="urn:microsoft.com/office/officeart/2005/8/colors/accent1_2" csCatId="accent1"/>
+      <dgm:spPr/>
+      <dgm:t>
+        <a:bodyPr/>
+        <a:lstStyle/>
+        <a:p>
+          <a:endParaRPr lang="en-US"/>
+        </a:p>
+      </dgm:t>
+    </dgm:pt>
+    <dgm:pt modelId="{EBED2946-2D7F-4464-9CB4-D2ED316AC0BE}">
+      <dgm:prSet/>
+      <dgm:spPr/>
+      <dgm:t>
+        <a:bodyPr/>
+        <a:lstStyle/>
+        <a:p>
+          <a:r>
+            <a:rPr lang="it-IT" b="1"/>
+            <a:t>Dr Javier del Campo</a:t>
+          </a:r>
+          <a:endParaRPr lang="en-US"/>
+        </a:p>
+      </dgm:t>
+    </dgm:pt>
+    <dgm:pt modelId="{951E555A-B506-494B-A14E-2123A98316A2}" type="parTrans" cxnId="{5F156C7C-BCE5-426A-9A5E-6C6308FE5413}">
+      <dgm:prSet/>
+      <dgm:spPr/>
+      <dgm:t>
+        <a:bodyPr/>
+        <a:lstStyle/>
+        <a:p>
+          <a:endParaRPr lang="en-US"/>
+        </a:p>
+      </dgm:t>
+    </dgm:pt>
+    <dgm:pt modelId="{31CCCA0A-252A-4455-AB54-88655E294721}" type="sibTrans" cxnId="{5F156C7C-BCE5-426A-9A5E-6C6308FE5413}">
+      <dgm:prSet/>
+      <dgm:spPr/>
+      <dgm:t>
+        <a:bodyPr/>
+        <a:lstStyle/>
+        <a:p>
+          <a:endParaRPr lang="en-US"/>
+        </a:p>
+      </dgm:t>
+    </dgm:pt>
+    <dgm:pt modelId="{B60D8F1D-761D-47B3-B9C3-09377BBA987A}">
+      <dgm:prSet/>
+      <dgm:spPr/>
+      <dgm:t>
+        <a:bodyPr/>
+        <a:lstStyle/>
+        <a:p>
+          <a:r>
+            <a:rPr lang="it-IT" b="1"/>
+            <a:t>Dr Luigimaria Borruso</a:t>
+          </a:r>
+          <a:endParaRPr lang="en-US"/>
+        </a:p>
+      </dgm:t>
+    </dgm:pt>
+    <dgm:pt modelId="{B13B6066-A9CA-447D-847C-B592A1A0FBA4}" type="parTrans" cxnId="{2BAD491F-268E-415E-A058-78C35C3E90B4}">
+      <dgm:prSet/>
+      <dgm:spPr/>
+      <dgm:t>
+        <a:bodyPr/>
+        <a:lstStyle/>
+        <a:p>
+          <a:endParaRPr lang="en-US"/>
+        </a:p>
+      </dgm:t>
+    </dgm:pt>
+    <dgm:pt modelId="{512A2AAC-0800-4E6A-970C-90A2BCD78A2F}" type="sibTrans" cxnId="{2BAD491F-268E-415E-A058-78C35C3E90B4}">
+      <dgm:prSet/>
+      <dgm:spPr/>
+      <dgm:t>
+        <a:bodyPr/>
+        <a:lstStyle/>
+        <a:p>
+          <a:endParaRPr lang="en-US"/>
+        </a:p>
+      </dgm:t>
+    </dgm:pt>
+    <dgm:pt modelId="{78E79196-2659-41A2-A9F0-CE47FFC36CFF}">
+      <dgm:prSet/>
+      <dgm:spPr/>
+      <dgm:t>
+        <a:bodyPr/>
+        <a:lstStyle/>
+        <a:p>
+          <a:r>
+            <a:rPr lang="it-IT" b="1"/>
+            <a:t>Dr Anna Sandionigi</a:t>
+          </a:r>
+          <a:endParaRPr lang="en-US"/>
+        </a:p>
+      </dgm:t>
+    </dgm:pt>
+    <dgm:pt modelId="{BA6F6B5F-5DEE-489B-9C1F-16EAC16923DE}" type="parTrans" cxnId="{887CD2D6-E0C8-44F4-8F8C-A75C0E42F0A2}">
+      <dgm:prSet/>
+      <dgm:spPr/>
+      <dgm:t>
+        <a:bodyPr/>
+        <a:lstStyle/>
+        <a:p>
+          <a:endParaRPr lang="en-US"/>
+        </a:p>
+      </dgm:t>
+    </dgm:pt>
+    <dgm:pt modelId="{6F4C66F8-B8DC-4CCC-85AC-C4CF83ABC713}" type="sibTrans" cxnId="{887CD2D6-E0C8-44F4-8F8C-A75C0E42F0A2}">
+      <dgm:prSet/>
+      <dgm:spPr/>
+      <dgm:t>
+        <a:bodyPr/>
+        <a:lstStyle/>
+        <a:p>
+          <a:endParaRPr lang="en-US"/>
+        </a:p>
+      </dgm:t>
+    </dgm:pt>
+    <dgm:pt modelId="{7E8BCEC7-FB3B-7849-A884-968BC82F3427}" type="pres">
+      <dgm:prSet presAssocID="{28DDAFC7-B614-4742-B073-2A66437F2B28}" presName="hierChild1" presStyleCnt="0">
+        <dgm:presLayoutVars>
+          <dgm:chPref val="1"/>
+          <dgm:dir/>
+          <dgm:animOne val="branch"/>
+          <dgm:animLvl val="lvl"/>
+          <dgm:resizeHandles/>
+        </dgm:presLayoutVars>
+      </dgm:prSet>
+      <dgm:spPr/>
+    </dgm:pt>
+    <dgm:pt modelId="{2CC89039-5802-FC44-AA9E-C5ECD5711E3B}" type="pres">
+      <dgm:prSet presAssocID="{EBED2946-2D7F-4464-9CB4-D2ED316AC0BE}" presName="hierRoot1" presStyleCnt="0"/>
+      <dgm:spPr/>
+    </dgm:pt>
+    <dgm:pt modelId="{F3334FAB-7B30-7544-817D-ABFAEE0E8393}" type="pres">
+      <dgm:prSet presAssocID="{EBED2946-2D7F-4464-9CB4-D2ED316AC0BE}" presName="composite" presStyleCnt="0"/>
+      <dgm:spPr/>
+    </dgm:pt>
+    <dgm:pt modelId="{00D0332B-5896-7646-B31A-839E6C4A669C}" type="pres">
+      <dgm:prSet presAssocID="{EBED2946-2D7F-4464-9CB4-D2ED316AC0BE}" presName="background" presStyleLbl="node0" presStyleIdx="0" presStyleCnt="3"/>
+      <dgm:spPr/>
+    </dgm:pt>
+    <dgm:pt modelId="{1B220E34-5BA8-1B4A-8E7B-59A83FF1B063}" type="pres">
+      <dgm:prSet presAssocID="{EBED2946-2D7F-4464-9CB4-D2ED316AC0BE}" presName="text" presStyleLbl="fgAcc0" presStyleIdx="0" presStyleCnt="3">
+        <dgm:presLayoutVars>
+          <dgm:chPref val="3"/>
+        </dgm:presLayoutVars>
+      </dgm:prSet>
+      <dgm:spPr/>
+    </dgm:pt>
+    <dgm:pt modelId="{1848FC02-0951-DA44-BAF7-52E72BB4660A}" type="pres">
+      <dgm:prSet presAssocID="{EBED2946-2D7F-4464-9CB4-D2ED316AC0BE}" presName="hierChild2" presStyleCnt="0"/>
+      <dgm:spPr/>
+    </dgm:pt>
+    <dgm:pt modelId="{57A531C5-E6EC-3040-9B12-C6E882628B14}" type="pres">
+      <dgm:prSet presAssocID="{B60D8F1D-761D-47B3-B9C3-09377BBA987A}" presName="hierRoot1" presStyleCnt="0"/>
+      <dgm:spPr/>
+    </dgm:pt>
+    <dgm:pt modelId="{9B00658F-42D5-4142-986A-C45E0661B83F}" type="pres">
+      <dgm:prSet presAssocID="{B60D8F1D-761D-47B3-B9C3-09377BBA987A}" presName="composite" presStyleCnt="0"/>
+      <dgm:spPr/>
+    </dgm:pt>
+    <dgm:pt modelId="{A7AEF676-023B-4B43-952C-9559A48ADDD2}" type="pres">
+      <dgm:prSet presAssocID="{B60D8F1D-761D-47B3-B9C3-09377BBA987A}" presName="background" presStyleLbl="node0" presStyleIdx="1" presStyleCnt="3"/>
+      <dgm:spPr/>
+    </dgm:pt>
+    <dgm:pt modelId="{A3E7AD56-D3F2-7845-9469-50556FAF2769}" type="pres">
+      <dgm:prSet presAssocID="{B60D8F1D-761D-47B3-B9C3-09377BBA987A}" presName="text" presStyleLbl="fgAcc0" presStyleIdx="1" presStyleCnt="3">
+        <dgm:presLayoutVars>
+          <dgm:chPref val="3"/>
+        </dgm:presLayoutVars>
+      </dgm:prSet>
+      <dgm:spPr/>
+    </dgm:pt>
+    <dgm:pt modelId="{B2ADF076-2449-7247-A7BD-AD80C8A730CE}" type="pres">
+      <dgm:prSet presAssocID="{B60D8F1D-761D-47B3-B9C3-09377BBA987A}" presName="hierChild2" presStyleCnt="0"/>
+      <dgm:spPr/>
+    </dgm:pt>
+    <dgm:pt modelId="{5FBCE60C-8B20-5C48-A34A-D5C0E69AD691}" type="pres">
+      <dgm:prSet presAssocID="{78E79196-2659-41A2-A9F0-CE47FFC36CFF}" presName="hierRoot1" presStyleCnt="0"/>
+      <dgm:spPr/>
+    </dgm:pt>
+    <dgm:pt modelId="{FEDDD02A-EA86-5C4B-AF39-9C38528F39D6}" type="pres">
+      <dgm:prSet presAssocID="{78E79196-2659-41A2-A9F0-CE47FFC36CFF}" presName="composite" presStyleCnt="0"/>
+      <dgm:spPr/>
+    </dgm:pt>
+    <dgm:pt modelId="{0FA09023-B65C-B541-89FD-09D1D24BD2B7}" type="pres">
+      <dgm:prSet presAssocID="{78E79196-2659-41A2-A9F0-CE47FFC36CFF}" presName="background" presStyleLbl="node0" presStyleIdx="2" presStyleCnt="3"/>
+      <dgm:spPr/>
+    </dgm:pt>
+    <dgm:pt modelId="{F38194ED-ECE8-854B-8CC3-84A61253A9F4}" type="pres">
+      <dgm:prSet presAssocID="{78E79196-2659-41A2-A9F0-CE47FFC36CFF}" presName="text" presStyleLbl="fgAcc0" presStyleIdx="2" presStyleCnt="3">
+        <dgm:presLayoutVars>
+          <dgm:chPref val="3"/>
+        </dgm:presLayoutVars>
+      </dgm:prSet>
+      <dgm:spPr/>
+    </dgm:pt>
+    <dgm:pt modelId="{12C40660-131F-4046-A82B-9E3C97924457}" type="pres">
+      <dgm:prSet presAssocID="{78E79196-2659-41A2-A9F0-CE47FFC36CFF}" presName="hierChild2" presStyleCnt="0"/>
+      <dgm:spPr/>
+    </dgm:pt>
+  </dgm:ptLst>
+  <dgm:cxnLst>
+    <dgm:cxn modelId="{2BAD491F-268E-415E-A058-78C35C3E90B4}" srcId="{28DDAFC7-B614-4742-B073-2A66437F2B28}" destId="{B60D8F1D-761D-47B3-B9C3-09377BBA987A}" srcOrd="1" destOrd="0" parTransId="{B13B6066-A9CA-447D-847C-B592A1A0FBA4}" sibTransId="{512A2AAC-0800-4E6A-970C-90A2BCD78A2F}"/>
+    <dgm:cxn modelId="{29E05835-8C16-194C-B8A0-1F9FAD5EFC13}" type="presOf" srcId="{EBED2946-2D7F-4464-9CB4-D2ED316AC0BE}" destId="{1B220E34-5BA8-1B4A-8E7B-59A83FF1B063}" srcOrd="0" destOrd="0" presId="urn:microsoft.com/office/officeart/2005/8/layout/hierarchy1"/>
+    <dgm:cxn modelId="{25650A62-DC3D-AF40-9B4D-998E09E4B402}" type="presOf" srcId="{78E79196-2659-41A2-A9F0-CE47FFC36CFF}" destId="{F38194ED-ECE8-854B-8CC3-84A61253A9F4}" srcOrd="0" destOrd="0" presId="urn:microsoft.com/office/officeart/2005/8/layout/hierarchy1"/>
+    <dgm:cxn modelId="{5F156C7C-BCE5-426A-9A5E-6C6308FE5413}" srcId="{28DDAFC7-B614-4742-B073-2A66437F2B28}" destId="{EBED2946-2D7F-4464-9CB4-D2ED316AC0BE}" srcOrd="0" destOrd="0" parTransId="{951E555A-B506-494B-A14E-2123A98316A2}" sibTransId="{31CCCA0A-252A-4455-AB54-88655E294721}"/>
+    <dgm:cxn modelId="{B9B6879A-A625-B64B-BCF5-7B124D53B083}" type="presOf" srcId="{28DDAFC7-B614-4742-B073-2A66437F2B28}" destId="{7E8BCEC7-FB3B-7849-A884-968BC82F3427}" srcOrd="0" destOrd="0" presId="urn:microsoft.com/office/officeart/2005/8/layout/hierarchy1"/>
+    <dgm:cxn modelId="{0AF535B1-A7F8-9845-8011-778A978CB4C3}" type="presOf" srcId="{B60D8F1D-761D-47B3-B9C3-09377BBA987A}" destId="{A3E7AD56-D3F2-7845-9469-50556FAF2769}" srcOrd="0" destOrd="0" presId="urn:microsoft.com/office/officeart/2005/8/layout/hierarchy1"/>
+    <dgm:cxn modelId="{887CD2D6-E0C8-44F4-8F8C-A75C0E42F0A2}" srcId="{28DDAFC7-B614-4742-B073-2A66437F2B28}" destId="{78E79196-2659-41A2-A9F0-CE47FFC36CFF}" srcOrd="2" destOrd="0" parTransId="{BA6F6B5F-5DEE-489B-9C1F-16EAC16923DE}" sibTransId="{6F4C66F8-B8DC-4CCC-85AC-C4CF83ABC713}"/>
+    <dgm:cxn modelId="{D8C28D84-6023-7343-979D-1178A63B1F18}" type="presParOf" srcId="{7E8BCEC7-FB3B-7849-A884-968BC82F3427}" destId="{2CC89039-5802-FC44-AA9E-C5ECD5711E3B}" srcOrd="0" destOrd="0" presId="urn:microsoft.com/office/officeart/2005/8/layout/hierarchy1"/>
+    <dgm:cxn modelId="{CC3B8D5D-5C27-F641-B9DF-135132B04AA7}" type="presParOf" srcId="{2CC89039-5802-FC44-AA9E-C5ECD5711E3B}" destId="{F3334FAB-7B30-7544-817D-ABFAEE0E8393}" srcOrd="0" destOrd="0" presId="urn:microsoft.com/office/officeart/2005/8/layout/hierarchy1"/>
+    <dgm:cxn modelId="{46FEE6C3-1FEE-0849-BC5E-6F7C628C777C}" type="presParOf" srcId="{F3334FAB-7B30-7544-817D-ABFAEE0E8393}" destId="{00D0332B-5896-7646-B31A-839E6C4A669C}" srcOrd="0" destOrd="0" presId="urn:microsoft.com/office/officeart/2005/8/layout/hierarchy1"/>
+    <dgm:cxn modelId="{1108C25E-8319-EE4B-8D64-1804A24D4792}" type="presParOf" srcId="{F3334FAB-7B30-7544-817D-ABFAEE0E8393}" destId="{1B220E34-5BA8-1B4A-8E7B-59A83FF1B063}" srcOrd="1" destOrd="0" presId="urn:microsoft.com/office/officeart/2005/8/layout/hierarchy1"/>
+    <dgm:cxn modelId="{55E3AD1B-0BB5-5D46-8788-C571AE92EFE6}" type="presParOf" srcId="{2CC89039-5802-FC44-AA9E-C5ECD5711E3B}" destId="{1848FC02-0951-DA44-BAF7-52E72BB4660A}" srcOrd="1" destOrd="0" presId="urn:microsoft.com/office/officeart/2005/8/layout/hierarchy1"/>
+    <dgm:cxn modelId="{C5BFFF67-0705-074F-963B-053AE276DFA7}" type="presParOf" srcId="{7E8BCEC7-FB3B-7849-A884-968BC82F3427}" destId="{57A531C5-E6EC-3040-9B12-C6E882628B14}" srcOrd="1" destOrd="0" presId="urn:microsoft.com/office/officeart/2005/8/layout/hierarchy1"/>
+    <dgm:cxn modelId="{CE2F954B-6B33-9945-9C3D-08A12759B940}" type="presParOf" srcId="{57A531C5-E6EC-3040-9B12-C6E882628B14}" destId="{9B00658F-42D5-4142-986A-C45E0661B83F}" srcOrd="0" destOrd="0" presId="urn:microsoft.com/office/officeart/2005/8/layout/hierarchy1"/>
+    <dgm:cxn modelId="{5BF7C9DC-6D00-494A-B26E-A3ED551A01F9}" type="presParOf" srcId="{9B00658F-42D5-4142-986A-C45E0661B83F}" destId="{A7AEF676-023B-4B43-952C-9559A48ADDD2}" srcOrd="0" destOrd="0" presId="urn:microsoft.com/office/officeart/2005/8/layout/hierarchy1"/>
+    <dgm:cxn modelId="{305E2B79-C38D-7540-8BAA-C88143CB280B}" type="presParOf" srcId="{9B00658F-42D5-4142-986A-C45E0661B83F}" destId="{A3E7AD56-D3F2-7845-9469-50556FAF2769}" srcOrd="1" destOrd="0" presId="urn:microsoft.com/office/officeart/2005/8/layout/hierarchy1"/>
+    <dgm:cxn modelId="{2CF0FB91-2D09-8740-BABF-3916C00906BA}" type="presParOf" srcId="{57A531C5-E6EC-3040-9B12-C6E882628B14}" destId="{B2ADF076-2449-7247-A7BD-AD80C8A730CE}" srcOrd="1" destOrd="0" presId="urn:microsoft.com/office/officeart/2005/8/layout/hierarchy1"/>
+    <dgm:cxn modelId="{D36F88BB-D7B6-ED45-8627-474CE16E55B3}" type="presParOf" srcId="{7E8BCEC7-FB3B-7849-A884-968BC82F3427}" destId="{5FBCE60C-8B20-5C48-A34A-D5C0E69AD691}" srcOrd="2" destOrd="0" presId="urn:microsoft.com/office/officeart/2005/8/layout/hierarchy1"/>
+    <dgm:cxn modelId="{D86B46E8-B988-2442-9C3E-24014A6D8379}" type="presParOf" srcId="{5FBCE60C-8B20-5C48-A34A-D5C0E69AD691}" destId="{FEDDD02A-EA86-5C4B-AF39-9C38528F39D6}" srcOrd="0" destOrd="0" presId="urn:microsoft.com/office/officeart/2005/8/layout/hierarchy1"/>
+    <dgm:cxn modelId="{D6F196CB-1C72-9549-B7B7-794B290D02D0}" type="presParOf" srcId="{FEDDD02A-EA86-5C4B-AF39-9C38528F39D6}" destId="{0FA09023-B65C-B541-89FD-09D1D24BD2B7}" srcOrd="0" destOrd="0" presId="urn:microsoft.com/office/officeart/2005/8/layout/hierarchy1"/>
+    <dgm:cxn modelId="{418D1D8C-BBBD-894A-B219-9DB341E88444}" type="presParOf" srcId="{FEDDD02A-EA86-5C4B-AF39-9C38528F39D6}" destId="{F38194ED-ECE8-854B-8CC3-84A61253A9F4}" srcOrd="1" destOrd="0" presId="urn:microsoft.com/office/officeart/2005/8/layout/hierarchy1"/>
+    <dgm:cxn modelId="{8E807E4E-A659-C047-9156-8DD88581BF8F}" type="presParOf" srcId="{5FBCE60C-8B20-5C48-A34A-D5C0E69AD691}" destId="{12C40660-131F-4046-A82B-9E3C97924457}" srcOrd="1" destOrd="0" presId="urn:microsoft.com/office/officeart/2005/8/layout/hierarchy1"/>
+  </dgm:cxnLst>
+  <dgm:bg/>
+  <dgm:whole/>
+  <dgm:extLst>
+    <a:ext uri="http://schemas.microsoft.com/office/drawing/2008/diagram">
+      <dsp:dataModelExt xmlns:dsp="http://schemas.microsoft.com/office/drawing/2008/diagram" relId="rId6" minVer="http://schemas.openxmlformats.org/drawingml/2006/diagram"/>
+    </a:ext>
+  </dgm:extLst>
+</dgm:dataModel>
+</file>
+
+<file path=ppt/diagrams/drawing1.xml><?xml version="1.0" encoding="utf-8"?>
+<dsp:drawing xmlns:dgm="http://schemas.openxmlformats.org/drawingml/2006/diagram" xmlns:dsp="http://schemas.microsoft.com/office/drawing/2008/diagram" xmlns:a="http://schemas.openxmlformats.org/drawingml/2006/main">
+  <dsp:spTree>
+    <dsp:nvGrpSpPr>
+      <dsp:cNvPr id="0" name=""/>
+      <dsp:cNvGrpSpPr/>
+    </dsp:nvGrpSpPr>
+    <dsp:grpSpPr/>
+    <dsp:sp modelId="{00D0332B-5896-7646-B31A-839E6C4A669C}">
+      <dsp:nvSpPr>
+        <dsp:cNvPr id="0" name=""/>
+        <dsp:cNvSpPr/>
+      </dsp:nvSpPr>
+      <dsp:spPr>
+        <a:xfrm>
+          <a:off x="0" y="468699"/>
+          <a:ext cx="2989819" cy="1898535"/>
+        </a:xfrm>
+        <a:prstGeom prst="roundRect">
+          <a:avLst>
+            <a:gd name="adj" fmla="val 10000"/>
+          </a:avLst>
+        </a:prstGeom>
+        <a:solidFill>
+          <a:schemeClr val="accent1">
+            <a:hueOff val="0"/>
+            <a:satOff val="0"/>
+            <a:lumOff val="0"/>
+            <a:alphaOff val="0"/>
+          </a:schemeClr>
+        </a:solidFill>
+        <a:ln w="12700" cap="flat" cmpd="sng" algn="ctr">
+          <a:solidFill>
+            <a:schemeClr val="lt1">
+              <a:hueOff val="0"/>
+              <a:satOff val="0"/>
+              <a:lumOff val="0"/>
+              <a:alphaOff val="0"/>
+            </a:schemeClr>
+          </a:solidFill>
+          <a:prstDash val="solid"/>
+          <a:miter lim="800000"/>
+        </a:ln>
+        <a:effectLst/>
+      </dsp:spPr>
+      <dsp:style>
+        <a:lnRef idx="2">
+          <a:scrgbClr r="0" g="0" b="0"/>
+        </a:lnRef>
+        <a:fillRef idx="1">
+          <a:scrgbClr r="0" g="0" b="0"/>
+        </a:fillRef>
+        <a:effectRef idx="0">
+          <a:scrgbClr r="0" g="0" b="0"/>
+        </a:effectRef>
+        <a:fontRef idx="minor">
+          <a:schemeClr val="lt1"/>
+        </a:fontRef>
+      </dsp:style>
+    </dsp:sp>
+    <dsp:sp modelId="{1B220E34-5BA8-1B4A-8E7B-59A83FF1B063}">
+      <dsp:nvSpPr>
+        <dsp:cNvPr id="0" name=""/>
+        <dsp:cNvSpPr/>
+      </dsp:nvSpPr>
+      <dsp:spPr>
+        <a:xfrm>
+          <a:off x="332202" y="784291"/>
+          <a:ext cx="2989819" cy="1898535"/>
+        </a:xfrm>
+        <a:prstGeom prst="roundRect">
+          <a:avLst>
+            <a:gd name="adj" fmla="val 10000"/>
+          </a:avLst>
+        </a:prstGeom>
+        <a:solidFill>
+          <a:schemeClr val="lt1">
+            <a:alpha val="90000"/>
+            <a:hueOff val="0"/>
+            <a:satOff val="0"/>
+            <a:lumOff val="0"/>
+            <a:alphaOff val="0"/>
+          </a:schemeClr>
+        </a:solidFill>
+        <a:ln w="12700" cap="flat" cmpd="sng" algn="ctr">
+          <a:solidFill>
+            <a:schemeClr val="accent1">
+              <a:hueOff val="0"/>
+              <a:satOff val="0"/>
+              <a:lumOff val="0"/>
+              <a:alphaOff val="0"/>
+            </a:schemeClr>
+          </a:solidFill>
+          <a:prstDash val="solid"/>
+          <a:miter lim="800000"/>
+        </a:ln>
+        <a:effectLst/>
+      </dsp:spPr>
+      <dsp:style>
+        <a:lnRef idx="2">
+          <a:scrgbClr r="0" g="0" b="0"/>
+        </a:lnRef>
+        <a:fillRef idx="1">
+          <a:scrgbClr r="0" g="0" b="0"/>
+        </a:fillRef>
+        <a:effectRef idx="0">
+          <a:scrgbClr r="0" g="0" b="0"/>
+        </a:effectRef>
+        <a:fontRef idx="minor"/>
+      </dsp:style>
+      <dsp:txBody>
+        <a:bodyPr spcFirstLastPara="0" vert="horz" wrap="square" lIns="137160" tIns="137160" rIns="137160" bIns="137160" numCol="1" spcCol="1270" anchor="ctr" anchorCtr="0">
+          <a:noAutofit/>
+        </a:bodyPr>
+        <a:lstStyle/>
+        <a:p>
+          <a:pPr marL="0" lvl="0" indent="0" algn="ctr" defTabSz="1600200">
+            <a:lnSpc>
+              <a:spcPct val="90000"/>
+            </a:lnSpc>
+            <a:spcBef>
+              <a:spcPct val="0"/>
+            </a:spcBef>
+            <a:spcAft>
+              <a:spcPct val="35000"/>
+            </a:spcAft>
+            <a:buNone/>
+          </a:pPr>
+          <a:r>
+            <a:rPr lang="it-IT" sz="3600" b="1" kern="1200"/>
+            <a:t>Dr Javier del Campo</a:t>
+          </a:r>
+          <a:endParaRPr lang="en-US" sz="3600" kern="1200"/>
+        </a:p>
+      </dsp:txBody>
+      <dsp:txXfrm>
+        <a:off x="387808" y="839897"/>
+        <a:ext cx="2878607" cy="1787323"/>
+      </dsp:txXfrm>
+    </dsp:sp>
+    <dsp:sp modelId="{A7AEF676-023B-4B43-952C-9559A48ADDD2}">
+      <dsp:nvSpPr>
+        <dsp:cNvPr id="0" name=""/>
+        <dsp:cNvSpPr/>
+      </dsp:nvSpPr>
+      <dsp:spPr>
+        <a:xfrm>
+          <a:off x="3654223" y="468699"/>
+          <a:ext cx="2989819" cy="1898535"/>
+        </a:xfrm>
+        <a:prstGeom prst="roundRect">
+          <a:avLst>
+            <a:gd name="adj" fmla="val 10000"/>
+          </a:avLst>
+        </a:prstGeom>
+        <a:solidFill>
+          <a:schemeClr val="accent1">
+            <a:hueOff val="0"/>
+            <a:satOff val="0"/>
+            <a:lumOff val="0"/>
+            <a:alphaOff val="0"/>
+          </a:schemeClr>
+        </a:solidFill>
+        <a:ln w="12700" cap="flat" cmpd="sng" algn="ctr">
+          <a:solidFill>
+            <a:schemeClr val="lt1">
+              <a:hueOff val="0"/>
+              <a:satOff val="0"/>
+              <a:lumOff val="0"/>
+              <a:alphaOff val="0"/>
+            </a:schemeClr>
+          </a:solidFill>
+          <a:prstDash val="solid"/>
+          <a:miter lim="800000"/>
+        </a:ln>
+        <a:effectLst/>
+      </dsp:spPr>
+      <dsp:style>
+        <a:lnRef idx="2">
+          <a:scrgbClr r="0" g="0" b="0"/>
+        </a:lnRef>
+        <a:fillRef idx="1">
+          <a:scrgbClr r="0" g="0" b="0"/>
+        </a:fillRef>
+        <a:effectRef idx="0">
+          <a:scrgbClr r="0" g="0" b="0"/>
+        </a:effectRef>
+        <a:fontRef idx="minor">
+          <a:schemeClr val="lt1"/>
+        </a:fontRef>
+      </dsp:style>
+    </dsp:sp>
+    <dsp:sp modelId="{A3E7AD56-D3F2-7845-9469-50556FAF2769}">
+      <dsp:nvSpPr>
+        <dsp:cNvPr id="0" name=""/>
+        <dsp:cNvSpPr/>
+      </dsp:nvSpPr>
+      <dsp:spPr>
+        <a:xfrm>
+          <a:off x="3986425" y="784291"/>
+          <a:ext cx="2989819" cy="1898535"/>
+        </a:xfrm>
+        <a:prstGeom prst="roundRect">
+          <a:avLst>
+            <a:gd name="adj" fmla="val 10000"/>
+          </a:avLst>
+        </a:prstGeom>
+        <a:solidFill>
+          <a:schemeClr val="lt1">
+            <a:alpha val="90000"/>
+            <a:hueOff val="0"/>
+            <a:satOff val="0"/>
+            <a:lumOff val="0"/>
+            <a:alphaOff val="0"/>
+          </a:schemeClr>
+        </a:solidFill>
+        <a:ln w="12700" cap="flat" cmpd="sng" algn="ctr">
+          <a:solidFill>
+            <a:schemeClr val="accent1">
+              <a:hueOff val="0"/>
+              <a:satOff val="0"/>
+              <a:lumOff val="0"/>
+              <a:alphaOff val="0"/>
+            </a:schemeClr>
+          </a:solidFill>
+          <a:prstDash val="solid"/>
+          <a:miter lim="800000"/>
+        </a:ln>
+        <a:effectLst/>
+      </dsp:spPr>
+      <dsp:style>
+        <a:lnRef idx="2">
+          <a:scrgbClr r="0" g="0" b="0"/>
+        </a:lnRef>
+        <a:fillRef idx="1">
+          <a:scrgbClr r="0" g="0" b="0"/>
+        </a:fillRef>
+        <a:effectRef idx="0">
+          <a:scrgbClr r="0" g="0" b="0"/>
+        </a:effectRef>
+        <a:fontRef idx="minor"/>
+      </dsp:style>
+      <dsp:txBody>
+        <a:bodyPr spcFirstLastPara="0" vert="horz" wrap="square" lIns="137160" tIns="137160" rIns="137160" bIns="137160" numCol="1" spcCol="1270" anchor="ctr" anchorCtr="0">
+          <a:noAutofit/>
+        </a:bodyPr>
+        <a:lstStyle/>
+        <a:p>
+          <a:pPr marL="0" lvl="0" indent="0" algn="ctr" defTabSz="1600200">
+            <a:lnSpc>
+              <a:spcPct val="90000"/>
+            </a:lnSpc>
+            <a:spcBef>
+              <a:spcPct val="0"/>
+            </a:spcBef>
+            <a:spcAft>
+              <a:spcPct val="35000"/>
+            </a:spcAft>
+            <a:buNone/>
+          </a:pPr>
+          <a:r>
+            <a:rPr lang="it-IT" sz="3600" b="1" kern="1200"/>
+            <a:t>Dr Luigimaria Borruso</a:t>
+          </a:r>
+          <a:endParaRPr lang="en-US" sz="3600" kern="1200"/>
+        </a:p>
+      </dsp:txBody>
+      <dsp:txXfrm>
+        <a:off x="4042031" y="839897"/>
+        <a:ext cx="2878607" cy="1787323"/>
+      </dsp:txXfrm>
+    </dsp:sp>
+    <dsp:sp modelId="{0FA09023-B65C-B541-89FD-09D1D24BD2B7}">
+      <dsp:nvSpPr>
+        <dsp:cNvPr id="0" name=""/>
+        <dsp:cNvSpPr/>
+      </dsp:nvSpPr>
+      <dsp:spPr>
+        <a:xfrm>
+          <a:off x="7308447" y="468699"/>
+          <a:ext cx="2989819" cy="1898535"/>
+        </a:xfrm>
+        <a:prstGeom prst="roundRect">
+          <a:avLst>
+            <a:gd name="adj" fmla="val 10000"/>
+          </a:avLst>
+        </a:prstGeom>
+        <a:solidFill>
+          <a:schemeClr val="accent1">
+            <a:hueOff val="0"/>
+            <a:satOff val="0"/>
+            <a:lumOff val="0"/>
+            <a:alphaOff val="0"/>
+          </a:schemeClr>
+        </a:solidFill>
+        <a:ln w="12700" cap="flat" cmpd="sng" algn="ctr">
+          <a:solidFill>
+            <a:schemeClr val="lt1">
+              <a:hueOff val="0"/>
+              <a:satOff val="0"/>
+              <a:lumOff val="0"/>
+              <a:alphaOff val="0"/>
+            </a:schemeClr>
+          </a:solidFill>
+          <a:prstDash val="solid"/>
+          <a:miter lim="800000"/>
+        </a:ln>
+        <a:effectLst/>
+      </dsp:spPr>
+      <dsp:style>
+        <a:lnRef idx="2">
+          <a:scrgbClr r="0" g="0" b="0"/>
+        </a:lnRef>
+        <a:fillRef idx="1">
+          <a:scrgbClr r="0" g="0" b="0"/>
+        </a:fillRef>
+        <a:effectRef idx="0">
+          <a:scrgbClr r="0" g="0" b="0"/>
+        </a:effectRef>
+        <a:fontRef idx="minor">
+          <a:schemeClr val="lt1"/>
+        </a:fontRef>
+      </dsp:style>
+    </dsp:sp>
+    <dsp:sp modelId="{F38194ED-ECE8-854B-8CC3-84A61253A9F4}">
+      <dsp:nvSpPr>
+        <dsp:cNvPr id="0" name=""/>
+        <dsp:cNvSpPr/>
+      </dsp:nvSpPr>
+      <dsp:spPr>
+        <a:xfrm>
+          <a:off x="7640649" y="784291"/>
+          <a:ext cx="2989819" cy="1898535"/>
+        </a:xfrm>
+        <a:prstGeom prst="roundRect">
+          <a:avLst>
+            <a:gd name="adj" fmla="val 10000"/>
+          </a:avLst>
+        </a:prstGeom>
+        <a:solidFill>
+          <a:schemeClr val="lt1">
+            <a:alpha val="90000"/>
+            <a:hueOff val="0"/>
+            <a:satOff val="0"/>
+            <a:lumOff val="0"/>
+            <a:alphaOff val="0"/>
+          </a:schemeClr>
+        </a:solidFill>
+        <a:ln w="12700" cap="flat" cmpd="sng" algn="ctr">
+          <a:solidFill>
+            <a:schemeClr val="accent1">
+              <a:hueOff val="0"/>
+              <a:satOff val="0"/>
+              <a:lumOff val="0"/>
+              <a:alphaOff val="0"/>
+            </a:schemeClr>
+          </a:solidFill>
+          <a:prstDash val="solid"/>
+          <a:miter lim="800000"/>
+        </a:ln>
+        <a:effectLst/>
+      </dsp:spPr>
+      <dsp:style>
+        <a:lnRef idx="2">
+          <a:scrgbClr r="0" g="0" b="0"/>
+        </a:lnRef>
+        <a:fillRef idx="1">
+          <a:scrgbClr r="0" g="0" b="0"/>
+        </a:fillRef>
+        <a:effectRef idx="0">
+          <a:scrgbClr r="0" g="0" b="0"/>
+        </a:effectRef>
+        <a:fontRef idx="minor"/>
+      </dsp:style>
+      <dsp:txBody>
+        <a:bodyPr spcFirstLastPara="0" vert="horz" wrap="square" lIns="137160" tIns="137160" rIns="137160" bIns="137160" numCol="1" spcCol="1270" anchor="ctr" anchorCtr="0">
+          <a:noAutofit/>
+        </a:bodyPr>
+        <a:lstStyle/>
+        <a:p>
+          <a:pPr marL="0" lvl="0" indent="0" algn="ctr" defTabSz="1600200">
+            <a:lnSpc>
+              <a:spcPct val="90000"/>
+            </a:lnSpc>
+            <a:spcBef>
+              <a:spcPct val="0"/>
+            </a:spcBef>
+            <a:spcAft>
+              <a:spcPct val="35000"/>
+            </a:spcAft>
+            <a:buNone/>
+          </a:pPr>
+          <a:r>
+            <a:rPr lang="it-IT" sz="3600" b="1" kern="1200"/>
+            <a:t>Dr Anna Sandionigi</a:t>
+          </a:r>
+          <a:endParaRPr lang="en-US" sz="3600" kern="1200"/>
+        </a:p>
+      </dsp:txBody>
+      <dsp:txXfrm>
+        <a:off x="7696255" y="839897"/>
+        <a:ext cx="2878607" cy="1787323"/>
+      </dsp:txXfrm>
+    </dsp:sp>
+  </dsp:spTree>
+</dsp:drawing>
+</file>
+
+<file path=ppt/diagrams/layout1.xml><?xml version="1.0" encoding="utf-8"?>
+<dgm:layoutDef xmlns:dgm="http://schemas.openxmlformats.org/drawingml/2006/diagram" xmlns:a="http://schemas.openxmlformats.org/drawingml/2006/main" uniqueId="urn:microsoft.com/office/officeart/2005/8/layout/hierarchy1">
+  <dgm:title val=""/>
+  <dgm:desc val=""/>
+  <dgm:catLst>
+    <dgm:cat type="hierarchy" pri="2000"/>
+  </dgm:catLst>
+  <dgm:sampData>
+    <dgm:dataModel>
+      <dgm:ptLst>
+        <dgm:pt modelId="0" type="doc"/>
+        <dgm:pt modelId="1">
+          <dgm:prSet phldr="1"/>
+        </dgm:pt>
+        <dgm:pt modelId="2">
+          <dgm:prSet phldr="1"/>
+        </dgm:pt>
+        <dgm:pt modelId="21">
+          <dgm:prSet phldr="1"/>
+        </dgm:pt>
+        <dgm:pt modelId="22">
+          <dgm:prSet phldr="1"/>
+        </dgm:pt>
+        <dgm:pt modelId="3">
+          <dgm:prSet phldr="1"/>
+        </dgm:pt>
+        <dgm:pt modelId="31">
+          <dgm:prSet phldr="1"/>
+        </dgm:pt>
+      </dgm:ptLst>
+      <dgm:cxnLst>
+        <dgm:cxn modelId="4" srcId="0" destId="1" srcOrd="0" destOrd="0"/>
+        <dgm:cxn modelId="5" srcId="1" destId="2" srcOrd="0" destOrd="0"/>
+        <dgm:cxn modelId="6" srcId="1" destId="3" srcOrd="1" destOrd="0"/>
+        <dgm:cxn modelId="23" srcId="2" destId="21" srcOrd="0" destOrd="0"/>
+        <dgm:cxn modelId="24" srcId="2" destId="22" srcOrd="1" destOrd="0"/>
+        <dgm:cxn modelId="33" srcId="3" destId="31" srcOrd="0" destOrd="0"/>
+      </dgm:cxnLst>
+      <dgm:bg/>
+      <dgm:whole/>
+    </dgm:dataModel>
+  </dgm:sampData>
+  <dgm:styleData>
+    <dgm:dataModel>
+      <dgm:ptLst>
+        <dgm:pt modelId="0" type="doc"/>
+        <dgm:pt modelId="1"/>
+        <dgm:pt modelId="11"/>
+        <dgm:pt modelId="12"/>
+      </dgm:ptLst>
+      <dgm:cxnLst>
+        <dgm:cxn modelId="2" srcId="0" destId="1" srcOrd="0" destOrd="0"/>
+        <dgm:cxn modelId="13" srcId="1" destId="11" srcOrd="0" destOrd="0"/>
+        <dgm:cxn modelId="14" srcId="1" destId="12" srcOrd="1" destOrd="0"/>
+      </dgm:cxnLst>
+      <dgm:bg/>
+      <dgm:whole/>
+    </dgm:dataModel>
+  </dgm:styleData>
+  <dgm:clrData>
+    <dgm:dataModel>
+      <dgm:ptLst>
+        <dgm:pt modelId="0" type="doc"/>
+        <dgm:pt modelId="1"/>
+        <dgm:pt modelId="2"/>
+        <dgm:pt modelId="21"/>
+        <dgm:pt modelId="211"/>
+        <dgm:pt modelId="3"/>
+        <dgm:pt modelId="31"/>
+        <dgm:pt modelId="311"/>
+      </dgm:ptLst>
+      <dgm:cxnLst>
+        <dgm:cxn modelId="4" srcId="0" destId="1" srcOrd="0" destOrd="0"/>
+        <dgm:cxn modelId="5" srcId="1" destId="2" srcOrd="0" destOrd="0"/>
+        <dgm:cxn modelId="6" srcId="1" destId="3" srcOrd="1" destOrd="0"/>
+        <dgm:cxn modelId="23" srcId="2" destId="21" srcOrd="0" destOrd="0"/>
+        <dgm:cxn modelId="24" srcId="21" destId="211" srcOrd="0" destOrd="0"/>
+        <dgm:cxn modelId="33" srcId="3" destId="31" srcOrd="0" destOrd="0"/>
+        <dgm:cxn modelId="34" srcId="31" destId="311" srcOrd="0" destOrd="0"/>
+      </dgm:cxnLst>
+      <dgm:bg/>
+      <dgm:whole/>
+    </dgm:dataModel>
+  </dgm:clrData>
+  <dgm:layoutNode name="hierChild1">
+    <dgm:varLst>
+      <dgm:chPref val="1"/>
+      <dgm:dir/>
+      <dgm:animOne val="branch"/>
+      <dgm:animLvl val="lvl"/>
+      <dgm:resizeHandles/>
+    </dgm:varLst>
+    <dgm:choose name="Name0">
+      <dgm:if name="Name1" func="var" arg="dir" op="equ" val="norm">
+        <dgm:alg type="hierChild">
+          <dgm:param type="linDir" val="fromL"/>
+        </dgm:alg>
+      </dgm:if>
+      <dgm:else name="Name2">
+        <dgm:alg type="hierChild">
+          <dgm:param type="linDir" val="fromR"/>
+        </dgm:alg>
+      </dgm:else>
+    </dgm:choose>
+    <dgm:shape xmlns:r="http://schemas.openxmlformats.org/officeDocument/2006/relationships" r:blip="">
+      <dgm:adjLst/>
+    </dgm:shape>
+    <dgm:presOf/>
+    <dgm:constrLst>
+      <dgm:constr type="primFontSz" for="des" ptType="node" op="equ" val="65"/>
+      <dgm:constr type="w" for="des" forName="composite" refType="w"/>
+      <dgm:constr type="h" for="des" forName="composite" refType="w" refFor="des" refForName="composite" fact="0.667"/>
+      <dgm:constr type="w" for="des" forName="composite2" refType="w" refFor="des" refForName="composite"/>
+      <dgm:constr type="h" for="des" forName="composite2" refType="h" refFor="des" refForName="composite"/>
+      <dgm:constr type="w" for="des" forName="composite3" refType="w" refFor="des" refForName="composite"/>
+      <dgm:constr type="h" for="des" forName="composite3" refType="h" refFor="des" refForName="composite"/>
+      <dgm:constr type="w" for="des" forName="composite4" refType="w" refFor="des" refForName="composite"/>
+      <dgm:constr type="h" for="des" forName="composite4" refType="h" refFor="des" refForName="composite"/>
+      <dgm:constr type="w" for="des" forName="composite5" refType="w" refFor="des" refForName="composite"/>
+      <dgm:constr type="h" for="des" forName="composite5" refType="h" refFor="des" refForName="composite"/>
+      <dgm:constr type="sibSp" refType="w" refFor="des" refForName="composite" fact="0.1"/>
+      <dgm:constr type="sibSp" for="des" forName="hierChild2" refType="sibSp"/>
+      <dgm:constr type="sibSp" for="des" forName="hierChild3" refType="sibSp"/>
+      <dgm:constr type="sibSp" for="des" forName="hierChild4" refType="sibSp"/>
+      <dgm:constr type="sibSp" for="des" forName="hierChild5" refType="sibSp"/>
+      <dgm:constr type="sibSp" for="des" forName="hierChild6" refType="sibSp"/>
+      <dgm:constr type="sp" for="des" forName="hierRoot1" refType="h" refFor="des" refForName="composite" fact="0.25"/>
+      <dgm:constr type="sp" for="des" forName="hierRoot2" refType="sp" refFor="des" refForName="hierRoot1"/>
+      <dgm:constr type="sp" for="des" forName="hierRoot3" refType="sp" refFor="des" refForName="hierRoot1"/>
+      <dgm:constr type="sp" for="des" forName="hierRoot4" refType="sp" refFor="des" refForName="hierRoot1"/>
+      <dgm:constr type="sp" for="des" forName="hierRoot5" refType="sp" refFor="des" refForName="hierRoot1"/>
+    </dgm:constrLst>
+    <dgm:ruleLst/>
+    <dgm:forEach name="Name3" axis="ch">
+      <dgm:forEach name="Name4" axis="self" ptType="node">
+        <dgm:layoutNode name="hierRoot1">
+          <dgm:alg type="hierRoot"/>
+          <dgm:shape xmlns:r="http://schemas.openxmlformats.org/officeDocument/2006/relationships" r:blip="">
+            <dgm:adjLst/>
+          </dgm:shape>
+          <dgm:presOf/>
+          <dgm:constrLst>
+            <dgm:constr type="bendDist" for="des" ptType="parTrans" refType="sp" fact="0.5"/>
+          </dgm:constrLst>
+          <dgm:ruleLst/>
+          <dgm:layoutNode name="composite">
+            <dgm:alg type="composite"/>
+            <dgm:shape xmlns:r="http://schemas.openxmlformats.org/officeDocument/2006/relationships" r:blip="">
+              <dgm:adjLst/>
+            </dgm:shape>
+            <dgm:presOf/>
+            <dgm:constrLst>
+              <dgm:constr type="w" for="ch" forName="background" refType="w" fact="0.9"/>
+              <dgm:constr type="h" for="ch" forName="background" refType="w" refFor="ch" refForName="background" fact="0.635"/>
+              <dgm:constr type="t" for="ch" forName="background"/>
+              <dgm:constr type="l" for="ch" forName="background"/>
+              <dgm:constr type="w" for="ch" forName="text" refType="w" fact="0.9"/>
+              <dgm:constr type="h" for="ch" forName="text" refType="w" refFor="ch" refForName="text" fact="0.635"/>
+              <dgm:constr type="t" for="ch" forName="text" refType="w" fact="0.095"/>
+              <dgm:constr type="l" for="ch" forName="text" refType="w" fact="0.1"/>
+            </dgm:constrLst>
+            <dgm:ruleLst/>
+            <dgm:layoutNode name="background" styleLbl="node0" moveWith="text">
+              <dgm:alg type="sp"/>
+              <dgm:shape xmlns:r="http://schemas.openxmlformats.org/officeDocument/2006/relationships" type="roundRect" r:blip="">
+                <dgm:adjLst>
+                  <dgm:adj idx="1" val="0.1"/>
+                </dgm:adjLst>
+              </dgm:shape>
+              <dgm:presOf/>
+              <dgm:constrLst/>
+              <dgm:ruleLst/>
+            </dgm:layoutNode>
+            <dgm:layoutNode name="text" styleLbl="fgAcc0">
+              <dgm:varLst>
+                <dgm:chPref val="3"/>
+              </dgm:varLst>
+              <dgm:alg type="tx"/>
+              <dgm:shape xmlns:r="http://schemas.openxmlformats.org/officeDocument/2006/relationships" type="roundRect" r:blip="">
+                <dgm:adjLst>
+                  <dgm:adj idx="1" val="0.1"/>
+                </dgm:adjLst>
+              </dgm:shape>
+              <dgm:presOf axis="self"/>
+              <dgm:constrLst>
+                <dgm:constr type="tMarg" refType="primFontSz" fact="0.3"/>
+                <dgm:constr type="bMarg" refType="primFontSz" fact="0.3"/>
+                <dgm:constr type="lMarg" refType="primFontSz" fact="0.3"/>
+                <dgm:constr type="rMarg" refType="primFontSz" fact="0.3"/>
+              </dgm:constrLst>
+              <dgm:ruleLst>
+                <dgm:rule type="primFontSz" val="5" fact="NaN" max="NaN"/>
+              </dgm:ruleLst>
+            </dgm:layoutNode>
+          </dgm:layoutNode>
+          <dgm:layoutNode name="hierChild2">
+            <dgm:choose name="Name5">
+              <dgm:if name="Name6" func="var" arg="dir" op="equ" val="norm">
+                <dgm:alg type="hierChild">
+                  <dgm:param type="linDir" val="fromL"/>
+                </dgm:alg>
+              </dgm:if>
+              <dgm:else name="Name7">
+                <dgm:alg type="hierChild">
+                  <dgm:param type="linDir" val="fromR"/>
+                </dgm:alg>
+              </dgm:else>
+            </dgm:choose>
+            <dgm:shape xmlns:r="http://schemas.openxmlformats.org/officeDocument/2006/relationships" r:blip="">
+              <dgm:adjLst/>
+            </dgm:shape>
+            <dgm:presOf/>
+            <dgm:constrLst/>
+            <dgm:ruleLst/>
+            <dgm:forEach name="Name8" axis="ch">
+              <dgm:forEach name="Name9" axis="self" ptType="parTrans" cnt="1">
+                <dgm:layoutNode name="Name10">
+                  <dgm:alg type="conn">
+                    <dgm:param type="dim" val="1D"/>
+                    <dgm:param type="endSty" val="noArr"/>
+                    <dgm:param type="connRout" val="bend"/>
+                    <dgm:param type="bendPt" val="end"/>
+                    <dgm:param type="begPts" val="bCtr"/>
+                    <dgm:param type="endPts" val="tCtr"/>
+                    <dgm:param type="srcNode" val="background"/>
+                    <dgm:param type="dstNode" val="background2"/>
+                  </dgm:alg>
+                  <dgm:shape xmlns:r="http://schemas.openxmlformats.org/officeDocument/2006/relationships" type="conn" r:blip="" zOrderOff="-999">
+                    <dgm:adjLst/>
+                  </dgm:shape>
+                  <dgm:presOf axis="self"/>
+                  <dgm:constrLst>
+                    <dgm:constr type="begPad"/>
+                    <dgm:constr type="endPad"/>
+                  </dgm:constrLst>
+                  <dgm:ruleLst/>
+                </dgm:layoutNode>
+              </dgm:forEach>
+              <dgm:forEach name="Name11" axis="self" ptType="node">
+                <dgm:layoutNode name="hierRoot2">
+                  <dgm:alg type="hierRoot"/>
+                  <dgm:shape xmlns:r="http://schemas.openxmlformats.org/officeDocument/2006/relationships" r:blip="">
+                    <dgm:adjLst/>
+                  </dgm:shape>
+                  <dgm:presOf/>
+                  <dgm:constrLst>
+                    <dgm:constr type="bendDist" for="des" ptType="parTrans" refType="sp" fact="0.5"/>
+                  </dgm:constrLst>
+                  <dgm:ruleLst/>
+                  <dgm:layoutNode name="composite2">
+                    <dgm:alg type="composite"/>
+                    <dgm:shape xmlns:r="http://schemas.openxmlformats.org/officeDocument/2006/relationships" r:blip="">
+                      <dgm:adjLst/>
+                    </dgm:shape>
+                    <dgm:presOf/>
+                    <dgm:constrLst>
+                      <dgm:constr type="w" for="ch" forName="background2" refType="w" fact="0.9"/>
+                      <dgm:constr type="h" for="ch" forName="background2" refType="w" refFor="ch" refForName="background2" fact="0.635"/>
+                      <dgm:constr type="t" for="ch" forName="background2"/>
+                      <dgm:constr type="l" for="ch" forName="background2"/>
+                      <dgm:constr type="w" for="ch" forName="text2" refType="w" fact="0.9"/>
+                      <dgm:constr type="h" for="ch" forName="text2" refType="w" refFor="ch" refForName="text2" fact="0.635"/>
+                      <dgm:constr type="t" for="ch" forName="text2" refType="w" fact="0.095"/>
+                      <dgm:constr type="l" for="ch" forName="text2" refType="w" fact="0.1"/>
+                    </dgm:constrLst>
+                    <dgm:ruleLst/>
+                    <dgm:layoutNode name="background2" moveWith="text2">
+                      <dgm:alg type="sp"/>
+                      <dgm:shape xmlns:r="http://schemas.openxmlformats.org/officeDocument/2006/relationships" type="roundRect" r:blip="">
+                        <dgm:adjLst>
+                          <dgm:adj idx="1" val="0.1"/>
+                        </dgm:adjLst>
+                      </dgm:shape>
+                      <dgm:presOf/>
+                      <dgm:constrLst/>
+                      <dgm:ruleLst/>
+                    </dgm:layoutNode>
+                    <dgm:layoutNode name="text2" styleLbl="fgAcc2">
+                      <dgm:varLst>
+                        <dgm:chPref val="3"/>
+                      </dgm:varLst>
+                      <dgm:alg type="tx"/>
+                      <dgm:shape xmlns:r="http://schemas.openxmlformats.org/officeDocument/2006/relationships" type="roundRect" r:blip="">
+                        <dgm:adjLst>
+                          <dgm:adj idx="1" val="0.1"/>
+                        </dgm:adjLst>
+                      </dgm:shape>
+                      <dgm:presOf axis="self"/>
+                      <dgm:constrLst>
+                        <dgm:constr type="tMarg" refType="primFontSz" fact="0.3"/>
+                        <dgm:constr type="bMarg" refType="primFontSz" fact="0.3"/>
+                        <dgm:constr type="lMarg" refType="primFontSz" fact="0.3"/>
+                        <dgm:constr type="rMarg" refType="primFontSz" fact="0.3"/>
+                      </dgm:constrLst>
+                      <dgm:ruleLst>
+                        <dgm:rule type="primFontSz" val="5" fact="NaN" max="NaN"/>
+                      </dgm:ruleLst>
+                    </dgm:layoutNode>
+                  </dgm:layoutNode>
+                  <dgm:layoutNode name="hierChild3">
+                    <dgm:choose name="Name12">
+                      <dgm:if name="Name13" func="var" arg="dir" op="equ" val="norm">
+                        <dgm:alg type="hierChild">
+                          <dgm:param type="linDir" val="fromL"/>
+                        </dgm:alg>
+                      </dgm:if>
+                      <dgm:else name="Name14">
+                        <dgm:alg type="hierChild">
+                          <dgm:param type="linDir" val="fromR"/>
+                        </dgm:alg>
+                      </dgm:else>
+                    </dgm:choose>
+                    <dgm:shape xmlns:r="http://schemas.openxmlformats.org/officeDocument/2006/relationships" r:blip="">
+                      <dgm:adjLst/>
+                    </dgm:shape>
+                    <dgm:presOf/>
+                    <dgm:constrLst/>
+                    <dgm:ruleLst/>
+                    <dgm:forEach name="Name15" axis="ch">
+                      <dgm:forEach name="Name16" axis="self" ptType="parTrans" cnt="1">
+                        <dgm:layoutNode name="Name17">
+                          <dgm:alg type="conn">
+                            <dgm:param type="dim" val="1D"/>
+                            <dgm:param type="endSty" val="noArr"/>
+                            <dgm:param type="connRout" val="bend"/>
+                            <dgm:param type="bendPt" val="end"/>
+                            <dgm:param type="begPts" val="bCtr"/>
+                            <dgm:param type="endPts" val="tCtr"/>
+                            <dgm:param type="srcNode" val="background2"/>
+                            <dgm:param type="dstNode" val="background3"/>
+                          </dgm:alg>
+                          <dgm:shape xmlns:r="http://schemas.openxmlformats.org/officeDocument/2006/relationships" type="conn" r:blip="" zOrderOff="-999">
+                            <dgm:adjLst/>
+                          </dgm:shape>
+                          <dgm:presOf axis="self"/>
+                          <dgm:constrLst>
+                            <dgm:constr type="begPad"/>
+                            <dgm:constr type="endPad"/>
+                          </dgm:constrLst>
+                          <dgm:ruleLst/>
+                        </dgm:layoutNode>
+                      </dgm:forEach>
+                      <dgm:forEach name="Name18" axis="self" ptType="node">
+                        <dgm:layoutNode name="hierRoot3">
+                          <dgm:alg type="hierRoot"/>
+                          <dgm:shape xmlns:r="http://schemas.openxmlformats.org/officeDocument/2006/relationships" r:blip="">
+                            <dgm:adjLst/>
+                          </dgm:shape>
+                          <dgm:presOf/>
+                          <dgm:constrLst>
+                            <dgm:constr type="bendDist" for="des" ptType="parTrans" refType="sp" fact="0.5"/>
+                          </dgm:constrLst>
+                          <dgm:ruleLst/>
+                          <dgm:layoutNode name="composite3">
+                            <dgm:alg type="composite"/>
+                            <dgm:shape xmlns:r="http://schemas.openxmlformats.org/officeDocument/2006/relationships" r:blip="">
+                              <dgm:adjLst/>
+                            </dgm:shape>
+                            <dgm:presOf/>
+                            <dgm:constrLst>
+                              <dgm:constr type="w" for="ch" forName="background3" refType="w" fact="0.9"/>
+                              <dgm:constr type="h" for="ch" forName="background3" refType="w" refFor="ch" refForName="background3" fact="0.635"/>
+                              <dgm:constr type="t" for="ch" forName="background3"/>
+                              <dgm:constr type="l" for="ch" forName="background3"/>
+                              <dgm:constr type="w" for="ch" forName="text3" refType="w" fact="0.9"/>
+                              <dgm:constr type="h" for="ch" forName="text3" refType="w" refFor="ch" refForName="text3" fact="0.635"/>
+                              <dgm:constr type="t" for="ch" forName="text3" refType="w" fact="0.095"/>
+                              <dgm:constr type="l" for="ch" forName="text3" refType="w" fact="0.1"/>
+                            </dgm:constrLst>
+                            <dgm:ruleLst/>
+                            <dgm:layoutNode name="background3" moveWith="text3">
+                              <dgm:alg type="sp"/>
+                              <dgm:shape xmlns:r="http://schemas.openxmlformats.org/officeDocument/2006/relationships" type="roundRect" r:blip="">
+                                <dgm:adjLst>
+                                  <dgm:adj idx="1" val="0.1"/>
+                                </dgm:adjLst>
+                              </dgm:shape>
+                              <dgm:presOf/>
+                              <dgm:constrLst/>
+                              <dgm:ruleLst/>
+                            </dgm:layoutNode>
+                            <dgm:layoutNode name="text3" styleLbl="fgAcc3">
+                              <dgm:varLst>
+                                <dgm:chPref val="3"/>
+                              </dgm:varLst>
+                              <dgm:alg type="tx"/>
+                              <dgm:shape xmlns:r="http://schemas.openxmlformats.org/officeDocument/2006/relationships" type="roundRect" r:blip="">
+                                <dgm:adjLst>
+                                  <dgm:adj idx="1" val="0.1"/>
+                                </dgm:adjLst>
+                              </dgm:shape>
+                              <dgm:presOf axis="self"/>
+                              <dgm:constrLst>
+                                <dgm:constr type="tMarg" refType="primFontSz" fact="0.3"/>
+                                <dgm:constr type="bMarg" refType="primFontSz" fact="0.3"/>
+                                <dgm:constr type="lMarg" refType="primFontSz" fact="0.3"/>
+                                <dgm:constr type="rMarg" refType="primFontSz" fact="0.3"/>
+                              </dgm:constrLst>
+                              <dgm:ruleLst>
+                                <dgm:rule type="primFontSz" val="5" fact="NaN" max="NaN"/>
+                              </dgm:ruleLst>
+                            </dgm:layoutNode>
+                          </dgm:layoutNode>
+                          <dgm:layoutNode name="hierChild4">
+                            <dgm:choose name="Name19">
+                              <dgm:if name="Name20" func="var" arg="dir" op="equ" val="norm">
+                                <dgm:alg type="hierChild">
+                                  <dgm:param type="linDir" val="fromL"/>
+                                </dgm:alg>
+                              </dgm:if>
+                              <dgm:else name="Name21">
+                                <dgm:alg type="hierChild">
+                                  <dgm:param type="linDir" val="fromR"/>
+                                </dgm:alg>
+                              </dgm:else>
+                            </dgm:choose>
+                            <dgm:shape xmlns:r="http://schemas.openxmlformats.org/officeDocument/2006/relationships" r:blip="">
+                              <dgm:adjLst/>
+                            </dgm:shape>
+                            <dgm:presOf/>
+                            <dgm:constrLst/>
+                            <dgm:ruleLst/>
+                            <dgm:forEach name="repeat" axis="ch">
+                              <dgm:forEach name="Name22" axis="self" ptType="parTrans" cnt="1">
+                                <dgm:layoutNode name="Name23">
+                                  <dgm:choose name="Name24">
+                                    <dgm:if name="Name25" axis="self" func="depth" op="lte" val="4">
+                                      <dgm:alg type="conn">
+                                        <dgm:param type="dim" val="1D"/>
+                                        <dgm:param type="endSty" val="noArr"/>
+                                        <dgm:param type="connRout" val="bend"/>
+                                        <dgm:param type="bendPt" val="end"/>
+                                        <dgm:param type="begPts" val="bCtr"/>
+                                        <dgm:param type="endPts" val="tCtr"/>
+                                        <dgm:param type="srcNode" val="background3"/>
+                                        <dgm:param type="dstNode" val="background4"/>
+                                      </dgm:alg>
+                                    </dgm:if>
+                                    <dgm:else name="Name26">
+                                      <dgm:alg type="conn">
+                                        <dgm:param type="dim" val="1D"/>
+                                        <dgm:param type="endSty" val="noArr"/>
+                                        <dgm:param type="connRout" val="bend"/>
+                                        <dgm:param type="bendPt" val="end"/>
+                                        <dgm:param type="begPts" val="bCtr"/>
+                                        <dgm:param type="endPts" val="tCtr"/>
+                                        <dgm:param type="srcNode" val="background4"/>
+                                        <dgm:param type="dstNode" val="background4"/>
+                                      </dgm:alg>
+                                    </dgm:else>
+                                  </dgm:choose>
+                                  <dgm:shape xmlns:r="http://schemas.openxmlformats.org/officeDocument/2006/relationships" type="conn" r:blip="" zOrderOff="-999">
+                                    <dgm:adjLst/>
+                                  </dgm:shape>
+                                  <dgm:presOf axis="self"/>
+                                  <dgm:constrLst>
+                                    <dgm:constr type="begPad"/>
+                                    <dgm:constr type="endPad"/>
+                                  </dgm:constrLst>
+                                  <dgm:ruleLst/>
+                                </dgm:layoutNode>
+                              </dgm:forEach>
+                              <dgm:forEach name="Name27" axis="self" ptType="node">
+                                <dgm:layoutNode name="hierRoot4">
+                                  <dgm:alg type="hierRoot"/>
+                                  <dgm:shape xmlns:r="http://schemas.openxmlformats.org/officeDocument/2006/relationships" r:blip="">
+                                    <dgm:adjLst/>
+                                  </dgm:shape>
+                                  <dgm:presOf/>
+                                  <dgm:constrLst>
+                                    <dgm:constr type="bendDist" for="des" ptType="parTrans" refType="sp" fact="0.5"/>
+                                  </dgm:constrLst>
+                                  <dgm:ruleLst/>
+                                  <dgm:layoutNode name="composite4">
+                                    <dgm:alg type="composite"/>
+                                    <dgm:shape xmlns:r="http://schemas.openxmlformats.org/officeDocument/2006/relationships" r:blip="">
+                                      <dgm:adjLst/>
+                                    </dgm:shape>
+                                    <dgm:presOf/>
+                                    <dgm:constrLst>
+                                      <dgm:constr type="w" for="ch" forName="background4" refType="w" fact="0.9"/>
+                                      <dgm:constr type="h" for="ch" forName="background4" refType="w" refFor="ch" refForName="background4" fact="0.635"/>
+                                      <dgm:constr type="t" for="ch" forName="background4"/>
+                                      <dgm:constr type="l" for="ch" forName="background4"/>
+                                      <dgm:constr type="w" for="ch" forName="text4" refType="w" fact="0.9"/>
+                                      <dgm:constr type="h" for="ch" forName="text4" refType="w" refFor="ch" refForName="text4" fact="0.635"/>
+                                      <dgm:constr type="t" for="ch" forName="text4" refType="w" fact="0.095"/>
+                                      <dgm:constr type="l" for="ch" forName="text4" refType="w" fact="0.1"/>
+                                    </dgm:constrLst>
+                                    <dgm:ruleLst/>
+                                    <dgm:layoutNode name="background4" moveWith="text4">
+                                      <dgm:alg type="sp"/>
+                                      <dgm:shape xmlns:r="http://schemas.openxmlformats.org/officeDocument/2006/relationships" type="roundRect" r:blip="">
+                                        <dgm:adjLst>
+                                          <dgm:adj idx="1" val="0.1"/>
+                                        </dgm:adjLst>
+                                      </dgm:shape>
+                                      <dgm:presOf/>
+                                      <dgm:constrLst/>
+                                      <dgm:ruleLst/>
+                                    </dgm:layoutNode>
+                                    <dgm:layoutNode name="text4" styleLbl="fgAcc4">
+                                      <dgm:varLst>
+                                        <dgm:chPref val="3"/>
+                                      </dgm:varLst>
+                                      <dgm:alg type="tx"/>
+                                      <dgm:shape xmlns:r="http://schemas.openxmlformats.org/officeDocument/2006/relationships" type="roundRect" r:blip="">
+                                        <dgm:adjLst>
+                                          <dgm:adj idx="1" val="0.1"/>
+                                        </dgm:adjLst>
+                                      </dgm:shape>
+                                      <dgm:presOf axis="self"/>
+                                      <dgm:constrLst>
+                                        <dgm:constr type="tMarg" refType="primFontSz" fact="0.3"/>
+                                        <dgm:constr type="bMarg" refType="primFontSz" fact="0.3"/>
+                                        <dgm:constr type="lMarg" refType="primFontSz" fact="0.3"/>
+                                        <dgm:constr type="rMarg" refType="primFontSz" fact="0.3"/>
+                                      </dgm:constrLst>
+                                      <dgm:ruleLst>
+                                        <dgm:rule type="primFontSz" val="5" fact="NaN" max="NaN"/>
+                                      </dgm:ruleLst>
+                                    </dgm:layoutNode>
+                                  </dgm:layoutNode>
+                                  <dgm:layoutNode name="hierChild5">
+                                    <dgm:choose name="Name28">
+                                      <dgm:if name="Name29" func="var" arg="dir" op="equ" val="norm">
+                                        <dgm:alg type="hierChild">
+                                          <dgm:param type="linDir" val="fromL"/>
+                                        </dgm:alg>
+                                      </dgm:if>
+                                      <dgm:else name="Name30">
+                                        <dgm:alg type="hierChild">
+                                          <dgm:param type="linDir" val="fromR"/>
+                                        </dgm:alg>
+                                      </dgm:else>
+                                    </dgm:choose>
+                                    <dgm:shape xmlns:r="http://schemas.openxmlformats.org/officeDocument/2006/relationships" r:blip="">
+                                      <dgm:adjLst/>
+                                    </dgm:shape>
+                                    <dgm:presOf/>
+                                    <dgm:constrLst/>
+                                    <dgm:ruleLst/>
+                                    <dgm:forEach name="Name31" ref="repeat"/>
+                                  </dgm:layoutNode>
+                                </dgm:layoutNode>
+                              </dgm:forEach>
+                            </dgm:forEach>
+                          </dgm:layoutNode>
+                        </dgm:layoutNode>
+                      </dgm:forEach>
+                    </dgm:forEach>
+                  </dgm:layoutNode>
+                </dgm:layoutNode>
+              </dgm:forEach>
+            </dgm:forEach>
+          </dgm:layoutNode>
+        </dgm:layoutNode>
+      </dgm:forEach>
+    </dgm:forEach>
+  </dgm:layoutNode>
+</dgm:layoutDef>
+</file>
+
+<file path=ppt/diagrams/quickStyle1.xml><?xml version="1.0" encoding="utf-8"?>
+<dgm:styleDef xmlns:dgm="http://schemas.openxmlformats.org/drawingml/2006/diagram" xmlns:a="http://schemas.openxmlformats.org/drawingml/2006/main" uniqueId="urn:microsoft.com/office/officeart/2005/8/quickstyle/simple1">
+  <dgm:title val=""/>
+  <dgm:desc val=""/>
+  <dgm:catLst>
+    <dgm:cat type="simple" pri="10100"/>
+  </dgm:catLst>
+  <dgm:scene3d>
+    <a:camera prst="orthographicFront"/>
+    <a:lightRig rig="threePt" dir="t"/>
+  </dgm:scene3d>
+  <dgm:styleLbl name="node0">
+    <dgm:scene3d>
+      <a:camera prst="orthographicFront"/>
+      <a:lightRig rig="threePt" dir="t"/>
+    </dgm:scene3d>
+    <dgm:sp3d/>
+    <dgm:txPr/>
+    <dgm:style>
+      <a:lnRef idx="2">
+        <a:scrgbClr r="0" g="0" b="0"/>
+      </a:lnRef>
+      <a:fillRef idx="1">
+        <a:scrgbClr r="0" g="0" b="0"/>
+      </a:fillRef>
+      <a:effectRef idx="0">
+        <a:scrgbClr r="0" g="0" b="0"/>
+      </a:effectRef>
+      <a:fontRef idx="minor">
+        <a:schemeClr val="lt1"/>
+      </a:fontRef>
+    </dgm:style>
+  </dgm:styleLbl>
+  <dgm:styleLbl name="lnNode1">
+    <dgm:scene3d>
+      <a:camera prst="orthographicFront"/>
+      <a:lightRig rig="threePt" dir="t"/>
+    </dgm:scene3d>
+    <dgm:sp3d/>
+    <dgm:txPr/>
+    <dgm:style>
+      <a:lnRef idx="2">
+        <a:scrgbClr r="0" g="0" b="0"/>
+      </a:lnRef>
+      <a:fillRef idx="1">
+        <a:scrgbClr r="0" g="0" b="0"/>
+      </a:fillRef>
+      <a:effectRef idx="0">
+        <a:scrgbClr r="0" g="0" b="0"/>
+      </a:effectRef>
+      <a:fontRef idx="minor">
+        <a:schemeClr val="lt1"/>
+      </a:fontRef>
+    </dgm:style>
+  </dgm:styleLbl>
+  <dgm:styleLbl name="vennNode1">
+    <dgm:scene3d>
+      <a:camera prst="orthographicFront"/>
+      <a:lightRig rig="threePt" dir="t"/>
+    </dgm:scene3d>
+    <dgm:sp3d/>
+    <dgm:txPr/>
+    <dgm:style>
+      <a:lnRef idx="2">
+        <a:scrgbClr r="0" g="0" b="0"/>
+      </a:lnRef>
+      <a:fillRef idx="1">
+        <a:scrgbClr r="0" g="0" b="0"/>
+      </a:fillRef>
+      <a:effectRef idx="0">
+        <a:scrgbClr r="0" g="0" b="0"/>
+      </a:effectRef>
+      <a:fontRef idx="minor">
+        <a:schemeClr val="tx1"/>
+      </a:fontRef>
+    </dgm:style>
+  </dgm:styleLbl>
+  <dgm:styleLbl name="alignNode1">
+    <dgm:scene3d>
+      <a:camera prst="orthographicFront"/>
+      <a:lightRig rig="threePt" dir="t"/>
+    </dgm:scene3d>
+    <dgm:sp3d/>
+    <dgm:txPr/>
+    <dgm:style>
+      <a:lnRef idx="2">
+        <a:scrgbClr r="0" g="0" b="0"/>
+      </a:lnRef>
+      <a:fillRef idx="1">
+        <a:scrgbClr r="0" g="0" b="0"/>
+      </a:fillRef>
+      <a:effectRef idx="0">
+        <a:scrgbClr r="0" g="0" b="0"/>
+      </a:effectRef>
+      <a:fontRef idx="minor">
+        <a:schemeClr val="lt1"/>
+      </a:fontRef>
+    </dgm:style>
+  </dgm:styleLbl>
+  <dgm:styleLbl name="node1">
+    <dgm:scene3d>
+      <a:camera prst="orthographicFront"/>
+      <a:lightRig rig="threePt" dir="t"/>
+    </dgm:scene3d>
+    <dgm:sp3d/>
+    <dgm:txPr/>
+    <dgm:style>
+      <a:lnRef idx="2">
+        <a:scrgbClr r="0" g="0" b="0"/>
+      </a:lnRef>
+      <a:fillRef idx="1">
+        <a:scrgbClr r="0" g="0" b="0"/>
+      </a:fillRef>
+      <a:effectRef idx="0">
+        <a:scrgbClr r="0" g="0" b="0"/>
+      </a:effectRef>
+      <a:fontRef idx="minor">
+        <a:schemeClr val="lt1"/>
+      </a:fontRef>
+    </dgm:style>
+  </dgm:styleLbl>
+  <dgm:styleLbl name="node2">
+    <dgm:scene3d>
+      <a:camera prst="orthographicFront"/>
+      <a:lightRig rig="threePt" dir="t"/>
+    </dgm:scene3d>
+    <dgm:sp3d/>
+    <dgm:txPr/>
+    <dgm:style>
+      <a:lnRef idx="2">
+        <a:scrgbClr r="0" g="0" b="0"/>
+      </a:lnRef>
+      <a:fillRef idx="1">
+        <a:scrgbClr r="0" g="0" b="0"/>
+      </a:fillRef>
+      <a:effectRef idx="0">
+        <a:scrgbClr r="0" g="0" b="0"/>
+      </a:effectRef>
+      <a:fontRef idx="minor">
+        <a:schemeClr val="lt1"/>
+      </a:fontRef>
+    </dgm:style>
+  </dgm:styleLbl>
+  <dgm:styleLbl name="node3">
+    <dgm:scene3d>
+      <a:camera prst="orthographicFront"/>
+      <a:lightRig rig="threePt" dir="t"/>
+    </dgm:scene3d>
+    <dgm:sp3d/>
+    <dgm:txPr/>
+    <dgm:style>
+      <a:lnRef idx="2">
+        <a:scrgbClr r="0" g="0" b="0"/>
+      </a:lnRef>
+      <a:fillRef idx="1">
+        <a:scrgbClr r="0" g="0" b="0"/>
+      </a:fillRef>
+      <a:effectRef idx="0">
+        <a:scrgbClr r="0" g="0" b="0"/>
+      </a:effectRef>
+      <a:fontRef idx="minor">
+        <a:schemeClr val="lt1"/>
+      </a:fontRef>
+    </dgm:style>
+  </dgm:styleLbl>
+  <dgm:styleLbl name="node4">
+    <dgm:scene3d>
+      <a:camera prst="orthographicFront"/>
+      <a:lightRig rig="threePt" dir="t"/>
+    </dgm:scene3d>
+    <dgm:sp3d/>
+    <dgm:txPr/>
+    <dgm:style>
+      <a:lnRef idx="2">
+        <a:scrgbClr r="0" g="0" b="0"/>
+      </a:lnRef>
+      <a:fillRef idx="1">
+        <a:scrgbClr r="0" g="0" b="0"/>
+      </a:fillRef>
+      <a:effectRef idx="0">
+        <a:scrgbClr r="0" g="0" b="0"/>
+      </a:effectRef>
+      <a:fontRef idx="minor">
+        <a:schemeClr val="lt1"/>
+      </a:fontRef>
+    </dgm:style>
+  </dgm:styleLbl>
+  <dgm:styleLbl name="fgImgPlace1">
+    <dgm:scene3d>
+      <a:camera prst="orthographicFront"/>
+      <a:lightRig rig="threePt" dir="t"/>
+    </dgm:scene3d>
+    <dgm:sp3d/>
+    <dgm:txPr/>
+    <dgm:style>
+      <a:lnRef idx="2">
+        <a:scrgbClr r="0" g="0" b="0"/>
+      </a:lnRef>
+      <a:fillRef idx="1">
+        <a:scrgbClr r="0" g="0" b="0"/>
+      </a:fillRef>
+      <a:effectRef idx="0">
+        <a:scrgbClr r="0" g="0" b="0"/>
+      </a:effectRef>
+      <a:fontRef idx="minor"/>
+    </dgm:style>
+  </dgm:styleLbl>
+  <dgm:styleLbl name="alignImgPlace1">
+    <dgm:scene3d>
+      <a:camera prst="orthographicFront"/>
+      <a:lightRig rig="threePt" dir="t"/>
+    </dgm:scene3d>
+    <dgm:sp3d/>
+    <dgm:txPr/>
+    <dgm:style>
+      <a:lnRef idx="2">
+        <a:scrgbClr r="0" g="0" b="0"/>
+      </a:lnRef>
+      <a:fillRef idx="1">
+        <a:scrgbClr r="0" g="0" b="0"/>
+      </a:fillRef>
+      <a:effectRef idx="0">
+        <a:scrgbClr r="0" g="0" b="0"/>
+      </a:effectRef>
+      <a:fontRef idx="minor"/>
+    </dgm:style>
+  </dgm:styleLbl>
+  <dgm:styleLbl name="bgImgPlace1">
+    <dgm:scene3d>
+      <a:camera prst="orthographicFront"/>
+      <a:lightRig rig="threePt" dir="t"/>
+    </dgm:scene3d>
+    <dgm:sp3d/>
+    <dgm:txPr/>
+    <dgm:style>
+      <a:lnRef idx="2">
+        <a:scrgbClr r="0" g="0" b="0"/>
+      </a:lnRef>
+      <a:fillRef idx="1">
+        <a:scrgbClr r="0" g="0" b="0"/>
+      </a:fillRef>
+      <a:effectRef idx="0">
+        <a:scrgbClr r="0" g="0" b="0"/>
+      </a:effectRef>
+      <a:fontRef idx="minor"/>
+    </dgm:style>
+  </dgm:styleLbl>
+  <dgm:styleLbl name="sibTrans2D1">
+    <dgm:scene3d>
+      <a:camera prst="orthographicFront"/>
+      <a:lightRig rig="threePt" dir="t"/>
+    </dgm:scene3d>
+    <dgm:sp3d/>
+    <dgm:txPr/>
+    <dgm:style>
+      <a:lnRef idx="0">
+        <a:scrgbClr r="0" g="0" b="0"/>
+      </a:lnRef>
+      <a:fillRef idx="1">
+        <a:scrgbClr r="0" g="0" b="0"/>
+      </a:fillRef>
+      <a:effectRef idx="0">
+        <a:scrgbClr r="0" g="0" b="0"/>
+      </a:effectRef>
+      <a:fontRef idx="minor">
+        <a:schemeClr val="lt1"/>
+      </a:fontRef>
+    </dgm:style>
+  </dgm:styleLbl>
+  <dgm:styleLbl name="fgSibTrans2D1">
+    <dgm:scene3d>
+      <a:camera prst="orthographicFront"/>
+      <a:lightRig rig="threePt" dir="t"/>
+    </dgm:scene3d>
+    <dgm:sp3d/>
+    <dgm:txPr/>
+    <dgm:style>
+      <a:lnRef idx="0">
+        <a:scrgbClr r="0" g="0" b="0"/>
+      </a:lnRef>
+      <a:fillRef idx="1">
+        <a:scrgbClr r="0" g="0" b="0"/>
+      </a:fillRef>
+      <a:effectRef idx="0">
+        <a:scrgbClr r="0" g="0" b="0"/>
+      </a:effectRef>
+      <a:fontRef idx="minor">
+        <a:schemeClr val="lt1"/>
+      </a:fontRef>
+    </dgm:style>
+  </dgm:styleLbl>
+  <dgm:styleLbl name="bgSibTrans2D1">
+    <dgm:scene3d>
+      <a:camera prst="orthographicFront"/>
+      <a:lightRig rig="threePt" dir="t"/>
+    </dgm:scene3d>
+    <dgm:sp3d/>
+    <dgm:txPr/>
+    <dgm:style>
+      <a:lnRef idx="0">
+        <a:scrgbClr r="0" g="0" b="0"/>
+      </a:lnRef>
+      <a:fillRef idx="1">
+        <a:scrgbClr r="0" g="0" b="0"/>
+      </a:fillRef>
+      <a:effectRef idx="0">
+        <a:scrgbClr r="0" g="0" b="0"/>
+      </a:effectRef>
+      <a:fontRef idx="minor">
+        <a:schemeClr val="lt1"/>
+      </a:fontRef>
+    </dgm:style>
+  </dgm:styleLbl>
+  <dgm:styleLbl name="sibTrans1D1">
+    <dgm:scene3d>
+      <a:camera prst="orthographicFront"/>
+      <a:lightRig rig="threePt" dir="t"/>
+    </dgm:scene3d>
+    <dgm:sp3d/>
+    <dgm:txPr/>
+    <dgm:style>
+      <a:lnRef idx="1">
+        <a:scrgbClr r="0" g="0" b="0"/>
+      </a:lnRef>
+      <a:fillRef idx="0">
+        <a:scrgbClr r="0" g="0" b="0"/>
+      </a:fillRef>
+      <a:effectRef idx="0">
+        <a:scrgbClr r="0" g="0" b="0"/>
+      </a:effectRef>
+      <a:fontRef idx="minor"/>
+    </dgm:style>
+  </dgm:styleLbl>
+  <dgm:styleLbl name="callout">
+    <dgm:scene3d>
+      <a:camera prst="orthographicFront"/>
+      <a:lightRig rig="threePt" dir="t"/>
+    </dgm:scene3d>
+    <dgm:sp3d/>
+    <dgm:txPr/>
+    <dgm:style>
+      <a:lnRef idx="2">
+        <a:scrgbClr r="0" g="0" b="0"/>
+      </a:lnRef>
+      <a:fillRef idx="1">
+        <a:scrgbClr r="0" g="0" b="0"/>
+      </a:fillRef>
+      <a:effectRef idx="0">
+        <a:scrgbClr r="0" g="0" b="0"/>
+      </a:effectRef>
+      <a:fontRef idx="minor"/>
+    </dgm:style>
+  </dgm:styleLbl>
+  <dgm:styleLbl name="asst0">
+    <dgm:scene3d>
+      <a:camera prst="orthographicFront"/>
+      <a:lightRig rig="threePt" dir="t"/>
+    </dgm:scene3d>
+    <dgm:sp3d/>
+    <dgm:txPr/>
+    <dgm:style>
+      <a:lnRef idx="2">
+        <a:scrgbClr r="0" g="0" b="0"/>
+      </a:lnRef>
+      <a:fillRef idx="1">
+        <a:scrgbClr r="0" g="0" b="0"/>
+      </a:fillRef>
+      <a:effectRef idx="0">
+        <a:scrgbClr r="0" g="0" b="0"/>
+      </a:effectRef>
+      <a:fontRef idx="minor">
+        <a:schemeClr val="lt1"/>
+      </a:fontRef>
+    </dgm:style>
+  </dgm:styleLbl>
+  <dgm:styleLbl name="asst1">
+    <dgm:scene3d>
+      <a:camera prst="orthographicFront"/>
+      <a:lightRig rig="threePt" dir="t"/>
+    </dgm:scene3d>
+    <dgm:sp3d/>
+    <dgm:txPr/>
+    <dgm:style>
+      <a:lnRef idx="2">
+        <a:scrgbClr r="0" g="0" b="0"/>
+      </a:lnRef>
+      <a:fillRef idx="1">
+        <a:scrgbClr r="0" g="0" b="0"/>
+      </a:fillRef>
+      <a:effectRef idx="0">
+        <a:scrgbClr r="0" g="0" b="0"/>
+      </a:effectRef>
+      <a:fontRef idx="minor">
+        <a:schemeClr val="lt1"/>
+      </a:fontRef>
+    </dgm:style>
+  </dgm:styleLbl>
+  <dgm:styleLbl name="asst2">
+    <dgm:scene3d>
+      <a:camera prst="orthographicFront"/>
+      <a:lightRig rig="threePt" dir="t"/>
+    </dgm:scene3d>
+    <dgm:sp3d/>
+    <dgm:txPr/>
+    <dgm:style>
+      <a:lnRef idx="2">
+        <a:scrgbClr r="0" g="0" b="0"/>
+      </a:lnRef>
+      <a:fillRef idx="1">
+        <a:scrgbClr r="0" g="0" b="0"/>
+      </a:fillRef>
+      <a:effectRef idx="0">
+        <a:scrgbClr r="0" g="0" b="0"/>
+      </a:effectRef>
+      <a:fontRef idx="minor">
+        <a:schemeClr val="lt1"/>
+      </a:fontRef>
+    </dgm:style>
+  </dgm:styleLbl>
+  <dgm:styleLbl name="asst3">
+    <dgm:scene3d>
+      <a:camera prst="orthographicFront"/>
+      <a:lightRig rig="threePt" dir="t"/>
+    </dgm:scene3d>
+    <dgm:sp3d/>
+    <dgm:txPr/>
+    <dgm:style>
+      <a:lnRef idx="2">
+        <a:scrgbClr r="0" g="0" b="0"/>
+      </a:lnRef>
+      <a:fillRef idx="1">
+        <a:scrgbClr r="0" g="0" b="0"/>
+      </a:fillRef>
+      <a:effectRef idx="0">
+        <a:scrgbClr r="0" g="0" b="0"/>
+      </a:effectRef>
+      <a:fontRef idx="minor">
+        <a:schemeClr val="lt1"/>
+      </a:fontRef>
+    </dgm:style>
+  </dgm:styleLbl>
+  <dgm:styleLbl name="asst4">
+    <dgm:scene3d>
+      <a:camera prst="orthographicFront"/>
+      <a:lightRig rig="threePt" dir="t"/>
+    </dgm:scene3d>
+    <dgm:sp3d/>
+    <dgm:txPr/>
+    <dgm:style>
+      <a:lnRef idx="2">
+        <a:scrgbClr r="0" g="0" b="0"/>
+      </a:lnRef>
+      <a:fillRef idx="1">
+        <a:scrgbClr r="0" g="0" b="0"/>
+      </a:fillRef>
+      <a:effectRef idx="0">
+        <a:scrgbClr r="0" g="0" b="0"/>
+      </a:effectRef>
+      <a:fontRef idx="minor">
+        <a:schemeClr val="lt1"/>
+      </a:fontRef>
+    </dgm:style>
+  </dgm:styleLbl>
+  <dgm:styleLbl name="parChTrans2D1">
+    <dgm:scene3d>
+      <a:camera prst="orthographicFront"/>
+      <a:lightRig rig="threePt" dir="t"/>
+    </dgm:scene3d>
+    <dgm:sp3d/>
+    <dgm:txPr/>
+    <dgm:style>
+      <a:lnRef idx="2">
+        <a:scrgbClr r="0" g="0" b="0"/>
+      </a:lnRef>
+      <a:fillRef idx="1">
+        <a:scrgbClr r="0" g="0" b="0"/>
+      </a:fillRef>
+      <a:effectRef idx="0">
+        <a:scrgbClr r="0" g="0" b="0"/>
+      </a:effectRef>
+      <a:fontRef idx="minor">
+        <a:schemeClr val="lt1"/>
+      </a:fontRef>
+    </dgm:style>
+  </dgm:styleLbl>
+  <dgm:styleLbl name="parChTrans2D2">
+    <dgm:scene3d>
+      <a:camera prst="orthographicFront"/>
+      <a:lightRig rig="threePt" dir="t"/>
+    </dgm:scene3d>
+    <dgm:sp3d/>
+    <dgm:txPr/>
+    <dgm:style>
+      <a:lnRef idx="2">
+        <a:scrgbClr r="0" g="0" b="0"/>
+      </a:lnRef>
+      <a:fillRef idx="1">
+        <a:scrgbClr r="0" g="0" b="0"/>
+      </a:fillRef>
+      <a:effectRef idx="0">
+        <a:scrgbClr r="0" g="0" b="0"/>
+      </a:effectRef>
+      <a:fontRef idx="minor">
+        <a:schemeClr val="lt1"/>
+      </a:fontRef>
+    </dgm:style>
+  </dgm:styleLbl>
+  <dgm:styleLbl name="parChTrans2D3">
+    <dgm:scene3d>
+      <a:camera prst="orthographicFront"/>
+      <a:lightRig rig="threePt" dir="t"/>
+    </dgm:scene3d>
+    <dgm:sp3d/>
+    <dgm:txPr/>
+    <dgm:style>
+      <a:lnRef idx="2">
+        <a:scrgbClr r="0" g="0" b="0"/>
+      </a:lnRef>
+      <a:fillRef idx="1">
+        <a:scrgbClr r="0" g="0" b="0"/>
+      </a:fillRef>
+      <a:effectRef idx="0">
+        <a:scrgbClr r="0" g="0" b="0"/>
+      </a:effectRef>
+      <a:fontRef idx="minor">
+        <a:schemeClr val="lt1"/>
+      </a:fontRef>
+    </dgm:style>
+  </dgm:styleLbl>
+  <dgm:styleLbl name="parChTrans2D4">
+    <dgm:scene3d>
+      <a:camera prst="orthographicFront"/>
+      <a:lightRig rig="threePt" dir="t"/>
+    </dgm:scene3d>
+    <dgm:sp3d/>
+    <dgm:txPr/>
+    <dgm:style>
+      <a:lnRef idx="2">
+        <a:scrgbClr r="0" g="0" b="0"/>
+      </a:lnRef>
+      <a:fillRef idx="1">
+        <a:scrgbClr r="0" g="0" b="0"/>
+      </a:fillRef>
+      <a:effectRef idx="0">
+        <a:scrgbClr r="0" g="0" b="0"/>
+      </a:effectRef>
+      <a:fontRef idx="minor">
+        <a:schemeClr val="lt1"/>
+      </a:fontRef>
+    </dgm:style>
+  </dgm:styleLbl>
+  <dgm:styleLbl name="parChTrans1D1">
+    <dgm:scene3d>
+      <a:camera prst="orthographicFront"/>
+      <a:lightRig rig="threePt" dir="t"/>
+    </dgm:scene3d>
+    <dgm:sp3d/>
+    <dgm:txPr/>
+    <dgm:style>
+      <a:lnRef idx="2">
+        <a:scrgbClr r="0" g="0" b="0"/>
+      </a:lnRef>
+      <a:fillRef idx="0">
+        <a:scrgbClr r="0" g="0" b="0"/>
+      </a:fillRef>
+      <a:effectRef idx="0">
+        <a:scrgbClr r="0" g="0" b="0"/>
+      </a:effectRef>
+      <a:fontRef idx="minor"/>
+    </dgm:style>
+  </dgm:styleLbl>
+  <dgm:styleLbl name="parChTrans1D2">
+    <dgm:scene3d>
+      <a:camera prst="orthographicFront"/>
+      <a:lightRig rig="threePt" dir="t"/>
+    </dgm:scene3d>
+    <dgm:sp3d/>
+    <dgm:txPr/>
+    <dgm:style>
+      <a:lnRef idx="2">
+        <a:scrgbClr r="0" g="0" b="0"/>
+      </a:lnRef>
+      <a:fillRef idx="0">
+        <a:scrgbClr r="0" g="0" b="0"/>
+      </a:fillRef>
+      <a:effectRef idx="0">
+        <a:scrgbClr r="0" g="0" b="0"/>
+      </a:effectRef>
+      <a:fontRef idx="minor"/>
+    </dgm:style>
+  </dgm:styleLbl>
+  <dgm:styleLbl name="parChTrans1D3">
+    <dgm:scene3d>
+      <a:camera prst="orthographicFront"/>
+      <a:lightRig rig="threePt" dir="t"/>
+    </dgm:scene3d>
+    <dgm:sp3d/>
+    <dgm:txPr/>
+    <dgm:style>
+      <a:lnRef idx="2">
+        <a:scrgbClr r="0" g="0" b="0"/>
+      </a:lnRef>
+      <a:fillRef idx="0">
+        <a:scrgbClr r="0" g="0" b="0"/>
+      </a:fillRef>
+      <a:effectRef idx="0">
+        <a:scrgbClr r="0" g="0" b="0"/>
+      </a:effectRef>
+      <a:fontRef idx="minor"/>
+    </dgm:style>
+  </dgm:styleLbl>
+  <dgm:styleLbl name="parChTrans1D4">
+    <dgm:scene3d>
+      <a:camera prst="orthographicFront"/>
+      <a:lightRig rig="threePt" dir="t"/>
+    </dgm:scene3d>
+    <dgm:sp3d/>
+    <dgm:txPr/>
+    <dgm:style>
+      <a:lnRef idx="2">
+        <a:scrgbClr r="0" g="0" b="0"/>
+      </a:lnRef>
+      <a:fillRef idx="0">
+        <a:scrgbClr r="0" g="0" b="0"/>
+      </a:fillRef>
+      <a:effectRef idx="0">
+        <a:scrgbClr r="0" g="0" b="0"/>
+      </a:effectRef>
+      <a:fontRef idx="minor"/>
+    </dgm:style>
+  </dgm:styleLbl>
+  <dgm:styleLbl name="fgAcc1">
+    <dgm:scene3d>
+      <a:camera prst="orthographicFront"/>
+      <a:lightRig rig="threePt" dir="t"/>
+    </dgm:scene3d>
+    <dgm:sp3d/>
+    <dgm:txPr/>
+    <dgm:style>
+      <a:lnRef idx="2">
+        <a:scrgbClr r="0" g="0" b="0"/>
+      </a:lnRef>
+      <a:fillRef idx="1">
+        <a:scrgbClr r="0" g="0" b="0"/>
+      </a:fillRef>
+      <a:effectRef idx="0">
+        <a:scrgbClr r="0" g="0" b="0"/>
+      </a:effectRef>
+      <a:fontRef idx="minor"/>
+    </dgm:style>
+  </dgm:styleLbl>
+  <dgm:styleLbl name="conFgAcc1">
+    <dgm:scene3d>
+      <a:camera prst="orthographicFront"/>
+      <a:lightRig rig="threePt" dir="t"/>
+    </dgm:scene3d>
+    <dgm:sp3d/>
+    <dgm:txPr/>
+    <dgm:style>
+      <a:lnRef idx="2">
+        <a:scrgbClr r="0" g="0" b="0"/>
+      </a:lnRef>
+      <a:fillRef idx="1">
+        <a:scrgbClr r="0" g="0" b="0"/>
+      </a:fillRef>
+      <a:effectRef idx="0">
+        <a:scrgbClr r="0" g="0" b="0"/>
+      </a:effectRef>
+      <a:fontRef idx="minor"/>
+    </dgm:style>
+  </dgm:styleLbl>
+  <dgm:styleLbl name="alignAcc1">
+    <dgm:scene3d>
+      <a:camera prst="orthographicFront"/>
+      <a:lightRig rig="threePt" dir="t"/>
+    </dgm:scene3d>
+    <dgm:sp3d/>
+    <dgm:txPr/>
+    <dgm:style>
+      <a:lnRef idx="2">
+        <a:scrgbClr r="0" g="0" b="0"/>
+      </a:lnRef>
+      <a:fillRef idx="1">
+        <a:scrgbClr r="0" g="0" b="0"/>
+      </a:fillRef>
+      <a:effectRef idx="0">
+        <a:scrgbClr r="0" g="0" b="0"/>
+      </a:effectRef>
+      <a:fontRef idx="minor"/>
+    </dgm:style>
+  </dgm:styleLbl>
+  <dgm:styleLbl name="trAlignAcc1">
+    <dgm:scene3d>
+      <a:camera prst="orthographicFront"/>
+      <a:lightRig rig="threePt" dir="t"/>
+    </dgm:scene3d>
+    <dgm:sp3d/>
+    <dgm:txPr/>
+    <dgm:style>
+      <a:lnRef idx="1">
+        <a:scrgbClr r="0" g="0" b="0"/>
+      </a:lnRef>
+      <a:fillRef idx="1">
+        <a:scrgbClr r="0" g="0" b="0"/>
+      </a:fillRef>
+      <a:effectRef idx="0">
+        <a:scrgbClr r="0" g="0" b="0"/>
+      </a:effectRef>
+      <a:fontRef idx="minor"/>
+    </dgm:style>
+  </dgm:styleLbl>
+  <dgm:styleLbl name="bgAcc1">
+    <dgm:scene3d>
+      <a:camera prst="orthographicFront"/>
+      <a:lightRig rig="threePt" dir="t"/>
+    </dgm:scene3d>
+    <dgm:sp3d/>
+    <dgm:txPr/>
+    <dgm:style>
+      <a:lnRef idx="2">
+        <a:scrgbClr r="0" g="0" b="0"/>
+      </a:lnRef>
+      <a:fillRef idx="1">
+        <a:scrgbClr r="0" g="0" b="0"/>
+      </a:fillRef>
+      <a:effectRef idx="0">
+        <a:scrgbClr r="0" g="0" b="0"/>
+      </a:effectRef>
+      <a:fontRef idx="minor"/>
+    </dgm:style>
+  </dgm:styleLbl>
+  <dgm:styleLbl name="solidFgAcc1">
+    <dgm:scene3d>
+      <a:camera prst="orthographicFront"/>
+      <a:lightRig rig="threePt" dir="t"/>
+    </dgm:scene3d>
+    <dgm:sp3d/>
+    <dgm:txPr/>
+    <dgm:style>
+      <a:lnRef idx="2">
+        <a:scrgbClr r="0" g="0" b="0"/>
+      </a:lnRef>
+      <a:fillRef idx="1">
+        <a:scrgbClr r="0" g="0" b="0"/>
+      </a:fillRef>
+      <a:effectRef idx="0">
+        <a:scrgbClr r="0" g="0" b="0"/>
+      </a:effectRef>
+      <a:fontRef idx="minor"/>
+    </dgm:style>
+  </dgm:styleLbl>
+  <dgm:styleLbl name="solidAlignAcc1">
+    <dgm:scene3d>
+      <a:camera prst="orthographicFront"/>
+      <a:lightRig rig="threePt" dir="t"/>
+    </dgm:scene3d>
+    <dgm:sp3d/>
+    <dgm:txPr/>
+    <dgm:style>
+      <a:lnRef idx="2">
+        <a:scrgbClr r="0" g="0" b="0"/>
+      </a:lnRef>
+      <a:fillRef idx="1">
+        <a:scrgbClr r="0" g="0" b="0"/>
+      </a:fillRef>
+      <a:effectRef idx="0">
+        <a:scrgbClr r="0" g="0" b="0"/>
+      </a:effectRef>
+      <a:fontRef idx="minor"/>
+    </dgm:style>
+  </dgm:styleLbl>
+  <dgm:styleLbl name="solidBgAcc1">
+    <dgm:scene3d>
+      <a:camera prst="orthographicFront"/>
+      <a:lightRig rig="threePt" dir="t"/>
+    </dgm:scene3d>
+    <dgm:sp3d/>
+    <dgm:txPr/>
+    <dgm:style>
+      <a:lnRef idx="2">
+        <a:scrgbClr r="0" g="0" b="0"/>
+      </a:lnRef>
+      <a:fillRef idx="1">
+        <a:scrgbClr r="0" g="0" b="0"/>
+      </a:fillRef>
+      <a:effectRef idx="0">
+        <a:scrgbClr r="0" g="0" b="0"/>
+      </a:effectRef>
+      <a:fontRef idx="minor"/>
+    </dgm:style>
+  </dgm:styleLbl>
+  <dgm:styleLbl name="fgAccFollowNode1">
+    <dgm:scene3d>
+      <a:camera prst="orthographicFront"/>
+      <a:lightRig rig="threePt" dir="t"/>
+    </dgm:scene3d>
+    <dgm:sp3d/>
+    <dgm:txPr/>
+    <dgm:style>
+      <a:lnRef idx="2">
+        <a:scrgbClr r="0" g="0" b="0"/>
+      </a:lnRef>
+      <a:fillRef idx="1">
+        <a:scrgbClr r="0" g="0" b="0"/>
+      </a:fillRef>
+      <a:effectRef idx="0">
+        <a:scrgbClr r="0" g="0" b="0"/>
+      </a:effectRef>
+      <a:fontRef idx="minor"/>
+    </dgm:style>
+  </dgm:styleLbl>
+  <dgm:styleLbl name="alignAccFollowNode1">
+    <dgm:scene3d>
+      <a:camera prst="orthographicFront"/>
+      <a:lightRig rig="threePt" dir="t"/>
+    </dgm:scene3d>
+    <dgm:sp3d/>
+    <dgm:txPr/>
+    <dgm:style>
+      <a:lnRef idx="2">
+        <a:scrgbClr r="0" g="0" b="0"/>
+      </a:lnRef>
+      <a:fillRef idx="1">
+        <a:scrgbClr r="0" g="0" b="0"/>
+      </a:fillRef>
+      <a:effectRef idx="0">
+        <a:scrgbClr r="0" g="0" b="0"/>
+      </a:effectRef>
+      <a:fontRef idx="minor"/>
+    </dgm:style>
+  </dgm:styleLbl>
+  <dgm:styleLbl name="bgAccFollowNode1">
+    <dgm:scene3d>
+      <a:camera prst="orthographicFront"/>
+      <a:lightRig rig="threePt" dir="t"/>
+    </dgm:scene3d>
+    <dgm:sp3d/>
+    <dgm:txPr/>
+    <dgm:style>
+      <a:lnRef idx="2">
+        <a:scrgbClr r="0" g="0" b="0"/>
+      </a:lnRef>
+      <a:fillRef idx="1">
+        <a:scrgbClr r="0" g="0" b="0"/>
+      </a:fillRef>
+      <a:effectRef idx="0">
+        <a:scrgbClr r="0" g="0" b="0"/>
+      </a:effectRef>
+      <a:fontRef idx="minor"/>
+    </dgm:style>
+  </dgm:styleLbl>
+  <dgm:styleLbl name="fgAcc0">
+    <dgm:scene3d>
+      <a:camera prst="orthographicFront"/>
+      <a:lightRig rig="threePt" dir="t"/>
+    </dgm:scene3d>
+    <dgm:sp3d/>
+    <dgm:txPr/>
+    <dgm:style>
+      <a:lnRef idx="2">
+        <a:scrgbClr r="0" g="0" b="0"/>
+      </a:lnRef>
+      <a:fillRef idx="1">
+        <a:scrgbClr r="0" g="0" b="0"/>
+      </a:fillRef>
+      <a:effectRef idx="0">
+        <a:scrgbClr r="0" g="0" b="0"/>
+      </a:effectRef>
+      <a:fontRef idx="minor"/>
+    </dgm:style>
+  </dgm:styleLbl>
+  <dgm:styleLbl name="fgAcc2">
+    <dgm:scene3d>
+      <a:camera prst="orthographicFront"/>
+      <a:lightRig rig="threePt" dir="t"/>
+    </dgm:scene3d>
+    <dgm:sp3d/>
+    <dgm:txPr/>
+    <dgm:style>
+      <a:lnRef idx="2">
+        <a:scrgbClr r="0" g="0" b="0"/>
+      </a:lnRef>
+      <a:fillRef idx="1">
+        <a:scrgbClr r="0" g="0" b="0"/>
+      </a:fillRef>
+      <a:effectRef idx="0">
+        <a:scrgbClr r="0" g="0" b="0"/>
+      </a:effectRef>
+      <a:fontRef idx="minor"/>
+    </dgm:style>
+  </dgm:styleLbl>
+  <dgm:styleLbl name="fgAcc3">
+    <dgm:scene3d>
+      <a:camera prst="orthographicFront"/>
+      <a:lightRig rig="threePt" dir="t"/>
+    </dgm:scene3d>
+    <dgm:sp3d/>
+    <dgm:txPr/>
+    <dgm:style>
+      <a:lnRef idx="2">
+        <a:scrgbClr r="0" g="0" b="0"/>
+      </a:lnRef>
+      <a:fillRef idx="1">
+        <a:scrgbClr r="0" g="0" b="0"/>
+      </a:fillRef>
+      <a:effectRef idx="0">
+        <a:scrgbClr r="0" g="0" b="0"/>
+      </a:effectRef>
+      <a:fontRef idx="minor"/>
+    </dgm:style>
+  </dgm:styleLbl>
+  <dgm:styleLbl name="fgAcc4">
+    <dgm:scene3d>
+      <a:camera prst="orthographicFront"/>
+      <a:lightRig rig="threePt" dir="t"/>
+    </dgm:scene3d>
+    <dgm:sp3d/>
+    <dgm:txPr/>
+    <dgm:style>
+      <a:lnRef idx="2">
+        <a:scrgbClr r="0" g="0" b="0"/>
+      </a:lnRef>
+      <a:fillRef idx="1">
+        <a:scrgbClr r="0" g="0" b="0"/>
+      </a:fillRef>
+      <a:effectRef idx="0">
+        <a:scrgbClr r="0" g="0" b="0"/>
+      </a:effectRef>
+      <a:fontRef idx="minor"/>
+    </dgm:style>
+  </dgm:styleLbl>
+  <dgm:styleLbl name="bgShp">
+    <dgm:scene3d>
+      <a:camera prst="orthographicFront"/>
+      <a:lightRig rig="threePt" dir="t"/>
+    </dgm:scene3d>
+    <dgm:sp3d/>
+    <dgm:txPr/>
+    <dgm:style>
+      <a:lnRef idx="0">
+        <a:scrgbClr r="0" g="0" b="0"/>
+      </a:lnRef>
+      <a:fillRef idx="1">
+        <a:scrgbClr r="0" g="0" b="0"/>
+      </a:fillRef>
+      <a:effectRef idx="0">
+        <a:scrgbClr r="0" g="0" b="0"/>
+      </a:effectRef>
+      <a:fontRef idx="minor"/>
+    </dgm:style>
+  </dgm:styleLbl>
+  <dgm:styleLbl name="dkBgShp">
+    <dgm:scene3d>
+      <a:camera prst="orthographicFront"/>
+      <a:lightRig rig="threePt" dir="t"/>
+    </dgm:scene3d>
+    <dgm:sp3d/>
+    <dgm:txPr/>
+    <dgm:style>
+      <a:lnRef idx="0">
+        <a:scrgbClr r="0" g="0" b="0"/>
+      </a:lnRef>
+      <a:fillRef idx="1">
+        <a:scrgbClr r="0" g="0" b="0"/>
+      </a:fillRef>
+      <a:effectRef idx="0">
+        <a:scrgbClr r="0" g="0" b="0"/>
+      </a:effectRef>
+      <a:fontRef idx="minor"/>
+    </dgm:style>
+  </dgm:styleLbl>
+  <dgm:styleLbl name="trBgShp">
+    <dgm:scene3d>
+      <a:camera prst="orthographicFront"/>
+      <a:lightRig rig="threePt" dir="t"/>
+    </dgm:scene3d>
+    <dgm:sp3d/>
+    <dgm:txPr/>
+    <dgm:style>
+      <a:lnRef idx="0">
+        <a:scrgbClr r="0" g="0" b="0"/>
+      </a:lnRef>
+      <a:fillRef idx="1">
+        <a:scrgbClr r="0" g="0" b="0"/>
+      </a:fillRef>
+      <a:effectRef idx="0">
+        <a:scrgbClr r="0" g="0" b="0"/>
+      </a:effectRef>
+      <a:fontRef idx="minor"/>
+    </dgm:style>
+  </dgm:styleLbl>
+  <dgm:styleLbl name="fgShp">
+    <dgm:scene3d>
+      <a:camera prst="orthographicFront"/>
+      <a:lightRig rig="threePt" dir="t"/>
+    </dgm:scene3d>
+    <dgm:sp3d/>
+    <dgm:txPr/>
+    <dgm:style>
+      <a:lnRef idx="2">
+        <a:scrgbClr r="0" g="0" b="0"/>
+      </a:lnRef>
+      <a:fillRef idx="1">
+        <a:scrgbClr r="0" g="0" b="0"/>
+      </a:fillRef>
+      <a:effectRef idx="0">
+        <a:scrgbClr r="0" g="0" b="0"/>
+      </a:effectRef>
+      <a:fontRef idx="minor"/>
+    </dgm:style>
+  </dgm:styleLbl>
+  <dgm:styleLbl name="revTx">
+    <dgm:scene3d>
+      <a:camera prst="orthographicFront"/>
+      <a:lightRig rig="threePt" dir="t"/>
+    </dgm:scene3d>
+    <dgm:sp3d/>
+    <dgm:txPr/>
+    <dgm:style>
+      <a:lnRef idx="0">
+        <a:scrgbClr r="0" g="0" b="0"/>
+      </a:lnRef>
+      <a:fillRef idx="0">
+        <a:scrgbClr r="0" g="0" b="0"/>
+      </a:fillRef>
+      <a:effectRef idx="0">
+        <a:scrgbClr r="0" g="0" b="0"/>
+      </a:effectRef>
+      <a:fontRef idx="minor"/>
+    </dgm:style>
+  </dgm:styleLbl>
+</dgm:styleDef>
+</file>
+
 <file path=ppt/slideLayouts/slideLayout1.xml><?xml version="1.0" encoding="utf-8"?>
 <p:sldLayout xmlns:a="http://schemas.openxmlformats.org/drawingml/2006/main" xmlns:r="http://schemas.openxmlformats.org/officeDocument/2006/relationships" xmlns:p="http://schemas.openxmlformats.org/presentationml/2006/main" type="title" preserve="1">
   <p:cSld name="Diapositiva titolo">
@@ -263,7 +3259,7 @@
           <a:p>
             <a:fld id="{234E0C2C-3BA3-4997-89D8-3BD7029691FF}" type="datetimeFigureOut">
               <a:rPr lang="it-IT" smtClean="0"/>
-              <a:t>31/03/2019</a:t>
+              <a:t>02/02/25</a:t>
             </a:fld>
             <a:endParaRPr lang="it-IT"/>
           </a:p>
@@ -317,7 +3313,7 @@
           <a:p>
             <a:fld id="{5BCCAA57-9118-4729-BDE9-7EA9F3DA56F1}" type="slidenum">
               <a:rPr lang="it-IT" smtClean="0"/>
-              <a:t>‹N›</a:t>
+              <a:t>‹#›</a:t>
             </a:fld>
             <a:endParaRPr lang="it-IT"/>
           </a:p>
@@ -461,7 +3457,7 @@
           <a:p>
             <a:fld id="{234E0C2C-3BA3-4997-89D8-3BD7029691FF}" type="datetimeFigureOut">
               <a:rPr lang="it-IT" smtClean="0"/>
-              <a:t>31/03/2019</a:t>
+              <a:t>02/02/25</a:t>
             </a:fld>
             <a:endParaRPr lang="it-IT"/>
           </a:p>
@@ -515,7 +3511,7 @@
           <a:p>
             <a:fld id="{5BCCAA57-9118-4729-BDE9-7EA9F3DA56F1}" type="slidenum">
               <a:rPr lang="it-IT" smtClean="0"/>
-              <a:t>‹N›</a:t>
+              <a:t>‹#›</a:t>
             </a:fld>
             <a:endParaRPr lang="it-IT"/>
           </a:p>
@@ -669,7 +3665,7 @@
           <a:p>
             <a:fld id="{234E0C2C-3BA3-4997-89D8-3BD7029691FF}" type="datetimeFigureOut">
               <a:rPr lang="it-IT" smtClean="0"/>
-              <a:t>31/03/2019</a:t>
+              <a:t>02/02/25</a:t>
             </a:fld>
             <a:endParaRPr lang="it-IT"/>
           </a:p>
@@ -723,7 +3719,7 @@
           <a:p>
             <a:fld id="{5BCCAA57-9118-4729-BDE9-7EA9F3DA56F1}" type="slidenum">
               <a:rPr lang="it-IT" smtClean="0"/>
-              <a:t>‹N›</a:t>
+              <a:t>‹#›</a:t>
             </a:fld>
             <a:endParaRPr lang="it-IT"/>
           </a:p>
@@ -867,7 +3863,7 @@
           <a:p>
             <a:fld id="{234E0C2C-3BA3-4997-89D8-3BD7029691FF}" type="datetimeFigureOut">
               <a:rPr lang="it-IT" smtClean="0"/>
-              <a:t>31/03/2019</a:t>
+              <a:t>02/02/25</a:t>
             </a:fld>
             <a:endParaRPr lang="it-IT"/>
           </a:p>
@@ -921,7 +3917,7 @@
           <a:p>
             <a:fld id="{5BCCAA57-9118-4729-BDE9-7EA9F3DA56F1}" type="slidenum">
               <a:rPr lang="it-IT" smtClean="0"/>
-              <a:t>‹N›</a:t>
+              <a:t>‹#›</a:t>
             </a:fld>
             <a:endParaRPr lang="it-IT"/>
           </a:p>
@@ -1142,7 +4138,7 @@
           <a:p>
             <a:fld id="{234E0C2C-3BA3-4997-89D8-3BD7029691FF}" type="datetimeFigureOut">
               <a:rPr lang="it-IT" smtClean="0"/>
-              <a:t>31/03/2019</a:t>
+              <a:t>02/02/25</a:t>
             </a:fld>
             <a:endParaRPr lang="it-IT"/>
           </a:p>
@@ -1196,7 +4192,7 @@
           <a:p>
             <a:fld id="{5BCCAA57-9118-4729-BDE9-7EA9F3DA56F1}" type="slidenum">
               <a:rPr lang="it-IT" smtClean="0"/>
-              <a:t>‹N›</a:t>
+              <a:t>‹#›</a:t>
             </a:fld>
             <a:endParaRPr lang="it-IT"/>
           </a:p>
@@ -1407,7 +4403,7 @@
           <a:p>
             <a:fld id="{234E0C2C-3BA3-4997-89D8-3BD7029691FF}" type="datetimeFigureOut">
               <a:rPr lang="it-IT" smtClean="0"/>
-              <a:t>31/03/2019</a:t>
+              <a:t>02/02/25</a:t>
             </a:fld>
             <a:endParaRPr lang="it-IT"/>
           </a:p>
@@ -1461,7 +4457,7 @@
           <a:p>
             <a:fld id="{5BCCAA57-9118-4729-BDE9-7EA9F3DA56F1}" type="slidenum">
               <a:rPr lang="it-IT" smtClean="0"/>
-              <a:t>‹N›</a:t>
+              <a:t>‹#›</a:t>
             </a:fld>
             <a:endParaRPr lang="it-IT"/>
           </a:p>
@@ -1819,7 +4815,7 @@
           <a:p>
             <a:fld id="{234E0C2C-3BA3-4997-89D8-3BD7029691FF}" type="datetimeFigureOut">
               <a:rPr lang="it-IT" smtClean="0"/>
-              <a:t>31/03/2019</a:t>
+              <a:t>02/02/25</a:t>
             </a:fld>
             <a:endParaRPr lang="it-IT"/>
           </a:p>
@@ -1873,7 +4869,7 @@
           <a:p>
             <a:fld id="{5BCCAA57-9118-4729-BDE9-7EA9F3DA56F1}" type="slidenum">
               <a:rPr lang="it-IT" smtClean="0"/>
-              <a:t>‹N›</a:t>
+              <a:t>‹#›</a:t>
             </a:fld>
             <a:endParaRPr lang="it-IT"/>
           </a:p>
@@ -1960,7 +4956,7 @@
           <a:p>
             <a:fld id="{234E0C2C-3BA3-4997-89D8-3BD7029691FF}" type="datetimeFigureOut">
               <a:rPr lang="it-IT" smtClean="0"/>
-              <a:t>31/03/2019</a:t>
+              <a:t>02/02/25</a:t>
             </a:fld>
             <a:endParaRPr lang="it-IT"/>
           </a:p>
@@ -2014,7 +5010,7 @@
           <a:p>
             <a:fld id="{5BCCAA57-9118-4729-BDE9-7EA9F3DA56F1}" type="slidenum">
               <a:rPr lang="it-IT" smtClean="0"/>
-              <a:t>‹N›</a:t>
+              <a:t>‹#›</a:t>
             </a:fld>
             <a:endParaRPr lang="it-IT"/>
           </a:p>
@@ -2073,7 +5069,7 @@
           <a:p>
             <a:fld id="{234E0C2C-3BA3-4997-89D8-3BD7029691FF}" type="datetimeFigureOut">
               <a:rPr lang="it-IT" smtClean="0"/>
-              <a:t>31/03/2019</a:t>
+              <a:t>02/02/25</a:t>
             </a:fld>
             <a:endParaRPr lang="it-IT"/>
           </a:p>
@@ -2127,7 +5123,7 @@
           <a:p>
             <a:fld id="{5BCCAA57-9118-4729-BDE9-7EA9F3DA56F1}" type="slidenum">
               <a:rPr lang="it-IT" smtClean="0"/>
-              <a:t>‹N›</a:t>
+              <a:t>‹#›</a:t>
             </a:fld>
             <a:endParaRPr lang="it-IT"/>
           </a:p>
@@ -2384,7 +5380,7 @@
           <a:p>
             <a:fld id="{234E0C2C-3BA3-4997-89D8-3BD7029691FF}" type="datetimeFigureOut">
               <a:rPr lang="it-IT" smtClean="0"/>
-              <a:t>31/03/2019</a:t>
+              <a:t>02/02/25</a:t>
             </a:fld>
             <a:endParaRPr lang="it-IT"/>
           </a:p>
@@ -2438,7 +5434,7 @@
           <a:p>
             <a:fld id="{5BCCAA57-9118-4729-BDE9-7EA9F3DA56F1}" type="slidenum">
               <a:rPr lang="it-IT" smtClean="0"/>
-              <a:t>‹N›</a:t>
+              <a:t>‹#›</a:t>
             </a:fld>
             <a:endParaRPr lang="it-IT"/>
           </a:p>
@@ -2672,7 +5668,7 @@
           <a:p>
             <a:fld id="{234E0C2C-3BA3-4997-89D8-3BD7029691FF}" type="datetimeFigureOut">
               <a:rPr lang="it-IT" smtClean="0"/>
-              <a:t>31/03/2019</a:t>
+              <a:t>02/02/25</a:t>
             </a:fld>
             <a:endParaRPr lang="it-IT"/>
           </a:p>
@@ -2726,7 +5722,7 @@
           <a:p>
             <a:fld id="{5BCCAA57-9118-4729-BDE9-7EA9F3DA56F1}" type="slidenum">
               <a:rPr lang="it-IT" smtClean="0"/>
-              <a:t>‹N›</a:t>
+              <a:t>‹#›</a:t>
             </a:fld>
             <a:endParaRPr lang="it-IT"/>
           </a:p>
@@ -2913,7 +5909,7 @@
           <a:p>
             <a:fld id="{234E0C2C-3BA3-4997-89D8-3BD7029691FF}" type="datetimeFigureOut">
               <a:rPr lang="it-IT" smtClean="0"/>
-              <a:t>31/03/2019</a:t>
+              <a:t>02/02/25</a:t>
             </a:fld>
             <a:endParaRPr lang="it-IT"/>
           </a:p>
@@ -3003,7 +5999,7 @@
           <a:p>
             <a:fld id="{5BCCAA57-9118-4729-BDE9-7EA9F3DA56F1}" type="slidenum">
               <a:rPr lang="it-IT" smtClean="0"/>
-              <a:t>‹N›</a:t>
+              <a:t>‹#›</a:t>
             </a:fld>
             <a:endParaRPr lang="it-IT"/>
           </a:p>
@@ -5102,202 +8098,37 @@
           <a:chExt cx="0" cy="0"/>
         </a:xfrm>
       </p:grpSpPr>
-      <p:sp>
-        <p:nvSpPr>
-          <p:cNvPr id="3" name="Segnaposto contenuto 2">
+      <p:graphicFrame>
+        <p:nvGraphicFramePr>
+          <p:cNvPr id="1030" name="Segnaposto contenuto 2">
             <a:extLst>
               <a:ext uri="{FF2B5EF4-FFF2-40B4-BE49-F238E27FC236}">
-                <a16:creationId xmlns:a16="http://schemas.microsoft.com/office/drawing/2014/main" id="{892EA87A-7C67-4A99-81B6-10EA8A2C0686}"/>
+                <a16:creationId xmlns:a16="http://schemas.microsoft.com/office/drawing/2014/main" id="{DDACF195-FD49-4B6B-4845-3AEC72C47A42}"/>
               </a:ext>
             </a:extLst>
           </p:cNvPr>
-          <p:cNvSpPr>
-            <a:spLocks noGrp="1"/>
-          </p:cNvSpPr>
+          <p:cNvGraphicFramePr>
+            <a:graphicFrameLocks noGrp="1"/>
+          </p:cNvGraphicFramePr>
           <p:nvPr>
             <p:ph idx="1"/>
+            <p:extLst>
+              <p:ext uri="{D42A27DB-BD31-4B8C-83A1-F6EECF244321}">
+                <p14:modId xmlns:p14="http://schemas.microsoft.com/office/powerpoint/2010/main" val="3344868481"/>
+              </p:ext>
+            </p:extLst>
           </p:nvPr>
-        </p:nvSpPr>
-        <p:spPr>
-          <a:xfrm>
-            <a:off x="723331" y="2866031"/>
-            <a:ext cx="10630469" cy="3151526"/>
-          </a:xfrm>
-        </p:spPr>
-        <p:txBody>
-          <a:bodyPr>
-            <a:normAutofit fontScale="92500" lnSpcReduction="20000"/>
-          </a:bodyPr>
-          <a:lstStyle/>
-          <a:p>
-            <a:r>
-              <a:rPr lang="it-IT" sz="3500" b="1" dirty="0">
-                <a:solidFill>
-                  <a:schemeClr val="accent1"/>
-                </a:solidFill>
-              </a:rPr>
-              <a:t>Dr Bruno Fosso</a:t>
-            </a:r>
-          </a:p>
-          <a:p>
-            <a:r>
-              <a:rPr lang="it-IT" sz="3500" b="1" dirty="0">
-                <a:solidFill>
-                  <a:schemeClr val="accent1"/>
-                </a:solidFill>
-              </a:rPr>
-              <a:t>Dr Anna </a:t>
-            </a:r>
-            <a:r>
-              <a:rPr lang="it-IT" sz="3500" b="1" dirty="0" err="1">
-                <a:solidFill>
-                  <a:schemeClr val="accent1"/>
-                </a:solidFill>
-              </a:rPr>
-              <a:t>Sandionigi</a:t>
-            </a:r>
-            <a:endParaRPr lang="it-IT" sz="3500" b="1" dirty="0">
-              <a:solidFill>
-                <a:schemeClr val="accent1"/>
-              </a:solidFill>
-            </a:endParaRPr>
-          </a:p>
-          <a:p>
-            <a:r>
-              <a:rPr lang="it-IT" sz="3500" b="1" dirty="0">
-                <a:solidFill>
-                  <a:schemeClr val="accent1"/>
-                </a:solidFill>
-              </a:rPr>
-              <a:t>Dr Antti </a:t>
-            </a:r>
-            <a:r>
-              <a:rPr lang="it-IT" sz="3500" b="1" dirty="0" err="1">
-                <a:solidFill>
-                  <a:schemeClr val="accent1"/>
-                </a:solidFill>
-              </a:rPr>
-              <a:t>Karkman</a:t>
-            </a:r>
-            <a:endParaRPr lang="it-IT" sz="3500" b="1" dirty="0">
-              <a:solidFill>
-                <a:schemeClr val="accent1"/>
-              </a:solidFill>
-            </a:endParaRPr>
-          </a:p>
-          <a:p>
-            <a:pPr marL="0" indent="0">
-              <a:buNone/>
-            </a:pPr>
-            <a:r>
-              <a:rPr lang="it-IT" b="1" dirty="0">
-                <a:solidFill>
-                  <a:schemeClr val="accent1"/>
-                </a:solidFill>
-              </a:rPr>
-              <a:t> </a:t>
-            </a:r>
-          </a:p>
-          <a:p>
-            <a:pPr marL="0" indent="0">
-              <a:buNone/>
-            </a:pPr>
-            <a:r>
-              <a:rPr lang="it-IT" sz="2600" dirty="0" err="1">
-                <a:solidFill>
-                  <a:schemeClr val="accent1"/>
-                </a:solidFill>
-              </a:rPr>
-              <a:t>Teaching</a:t>
-            </a:r>
-            <a:r>
-              <a:rPr lang="it-IT" sz="2600" dirty="0">
-                <a:solidFill>
-                  <a:schemeClr val="accent1"/>
-                </a:solidFill>
-              </a:rPr>
-              <a:t> </a:t>
-            </a:r>
-            <a:r>
-              <a:rPr lang="it-IT" sz="2600" dirty="0" err="1">
-                <a:solidFill>
-                  <a:schemeClr val="accent1"/>
-                </a:solidFill>
-              </a:rPr>
-              <a:t>assistant</a:t>
-            </a:r>
-            <a:endParaRPr lang="it-IT" sz="2600" dirty="0">
-              <a:solidFill>
-                <a:schemeClr val="accent1"/>
-              </a:solidFill>
-            </a:endParaRPr>
-          </a:p>
-          <a:p>
-            <a:pPr marL="0" indent="0">
-              <a:buNone/>
-            </a:pPr>
-            <a:endParaRPr lang="it-IT" sz="2000" dirty="0">
-              <a:solidFill>
-                <a:schemeClr val="accent1"/>
-              </a:solidFill>
-            </a:endParaRPr>
-          </a:p>
-          <a:p>
-            <a:pPr marL="0" indent="0">
-              <a:buNone/>
-            </a:pPr>
-            <a:r>
-              <a:rPr lang="it-IT" sz="3000" b="1" dirty="0">
-                <a:solidFill>
-                  <a:schemeClr val="accent1"/>
-                </a:solidFill>
-              </a:rPr>
-              <a:t>Giulia </a:t>
-            </a:r>
-            <a:r>
-              <a:rPr lang="it-IT" sz="3000" b="1" dirty="0" err="1">
-                <a:solidFill>
-                  <a:schemeClr val="accent1"/>
-                </a:solidFill>
-              </a:rPr>
-              <a:t>Agostinetto</a:t>
-            </a:r>
-            <a:endParaRPr lang="it-IT" sz="3000" b="1" dirty="0">
-              <a:solidFill>
-                <a:schemeClr val="accent1"/>
-              </a:solidFill>
-            </a:endParaRPr>
-          </a:p>
-          <a:p>
-            <a:endParaRPr lang="it-IT" b="1" dirty="0">
-              <a:solidFill>
-                <a:schemeClr val="accent1"/>
-              </a:solidFill>
-            </a:endParaRPr>
-          </a:p>
-          <a:p>
-            <a:endParaRPr lang="it-IT" dirty="0">
-              <a:solidFill>
-                <a:schemeClr val="accent1"/>
-              </a:solidFill>
-            </a:endParaRPr>
-          </a:p>
-          <a:p>
-            <a:endParaRPr lang="it-IT" dirty="0">
-              <a:solidFill>
-                <a:schemeClr val="accent1"/>
-              </a:solidFill>
-            </a:endParaRPr>
-          </a:p>
-          <a:p>
-            <a:endParaRPr lang="it-IT" dirty="0">
-              <a:solidFill>
-                <a:schemeClr val="accent1"/>
-              </a:solidFill>
-            </a:endParaRPr>
-          </a:p>
-        </p:txBody>
-      </p:sp>
+        </p:nvGraphicFramePr>
+        <p:xfrm>
+          <a:off x="634957" y="3873500"/>
+          <a:ext cx="10630469" cy="3151526"/>
+        </p:xfrm>
+        <a:graphic>
+          <a:graphicData uri="http://schemas.openxmlformats.org/drawingml/2006/diagram">
+            <dgm:relIds xmlns:dgm="http://schemas.openxmlformats.org/drawingml/2006/diagram" xmlns:r="http://schemas.openxmlformats.org/officeDocument/2006/relationships" r:dm="rId2" r:lo="rId3" r:qs="rId4" r:cs="rId5"/>
+          </a:graphicData>
+        </a:graphic>
+      </p:graphicFrame>
       <p:sp>
         <p:nvSpPr>
           <p:cNvPr id="4" name="Rettangolo 3">
@@ -5364,92 +8195,333 @@
           </a:p>
         </p:txBody>
       </p:sp>
-      <p:sp>
-        <p:nvSpPr>
-          <p:cNvPr id="5" name="Rettangolo 4">
+      <p:pic>
+        <p:nvPicPr>
+          <p:cNvPr id="1026" name="Picture 2" descr="del Campo Lab">
             <a:extLst>
               <a:ext uri="{FF2B5EF4-FFF2-40B4-BE49-F238E27FC236}">
-                <a16:creationId xmlns:a16="http://schemas.microsoft.com/office/drawing/2014/main" id="{3106D5E4-01AA-4B68-BC89-611E498F35B1}"/>
+                <a16:creationId xmlns:a16="http://schemas.microsoft.com/office/drawing/2014/main" id="{19BE0DF2-1FCE-3957-AFFB-2F6A2AFCA648}"/>
               </a:ext>
             </a:extLst>
           </p:cNvPr>
-          <p:cNvSpPr/>
+          <p:cNvPicPr>
+            <a:picLocks noChangeAspect="1" noChangeArrowheads="1"/>
+          </p:cNvPicPr>
           <p:nvPr/>
-        </p:nvSpPr>
-        <p:spPr>
+        </p:nvPicPr>
+        <p:blipFill>
+          <a:blip r:embed="rId7">
+            <a:extLst>
+              <a:ext uri="{28A0092B-C50C-407E-A947-70E740481C1C}">
+                <a14:useLocalDpi xmlns:a14="http://schemas.microsoft.com/office/drawing/2010/main" val="0"/>
+              </a:ext>
+            </a:extLst>
+          </a:blip>
+          <a:srcRect/>
+          <a:stretch>
+            <a:fillRect/>
+          </a:stretch>
+        </p:blipFill>
+        <p:spPr bwMode="auto">
           <a:xfrm>
-            <a:off x="-3086747" y="2169050"/>
-            <a:ext cx="11025875" cy="1015663"/>
+            <a:off x="728870" y="1923498"/>
+            <a:ext cx="2122004" cy="2122004"/>
           </a:xfrm>
           <a:prstGeom prst="rect">
             <a:avLst/>
           </a:prstGeom>
+          <a:noFill/>
+          <a:extLst>
+            <a:ext uri="{909E8E84-426E-40DD-AFC4-6F175D3DCCD1}">
+              <a14:hiddenFill xmlns:a14="http://schemas.microsoft.com/office/drawing/2010/main">
+                <a:solidFill>
+                  <a:srgbClr val="FFFFFF"/>
+                </a:solidFill>
+              </a14:hiddenFill>
+            </a:ext>
+          </a:extLst>
         </p:spPr>
-        <p:txBody>
-          <a:bodyPr wrap="square">
-            <a:spAutoFit/>
-          </a:bodyPr>
-          <a:lstStyle/>
-          <a:p>
-            <a:pPr algn="ctr"/>
-            <a:r>
-              <a:rPr lang="it-IT" sz="2400" dirty="0" err="1">
-                <a:solidFill>
-                  <a:schemeClr val="accent1"/>
-                </a:solidFill>
-              </a:rPr>
-              <a:t>Instructors</a:t>
-            </a:r>
-            <a:endParaRPr lang="it-IT" dirty="0">
-              <a:solidFill>
-                <a:schemeClr val="accent1"/>
-              </a:solidFill>
-            </a:endParaRPr>
-          </a:p>
-          <a:p>
-            <a:pPr algn="ctr"/>
-            <a:endParaRPr lang="it-IT" dirty="0"/>
-          </a:p>
-          <a:p>
-            <a:pPr algn="ctr"/>
-            <a:endParaRPr lang="en-US" b="1" dirty="0"/>
-          </a:p>
-        </p:txBody>
-      </p:sp>
+      </p:pic>
       <p:pic>
         <p:nvPicPr>
-          <p:cNvPr id="7" name="Immagine 6" descr="Immagine che contiene persona, esterni, cielo, persone&#10;&#10;Descrizione generata automaticamente">
+          <p:cNvPr id="1028" name="Picture 4" descr="del Campo Lab">
             <a:extLst>
               <a:ext uri="{FF2B5EF4-FFF2-40B4-BE49-F238E27FC236}">
-                <a16:creationId xmlns:a16="http://schemas.microsoft.com/office/drawing/2014/main" id="{73DA93ED-3016-4012-B3A9-10F86D873E04}"/>
+                <a16:creationId xmlns:a16="http://schemas.microsoft.com/office/drawing/2014/main" id="{262216F0-A2BE-BE49-3BD7-86FDE14060F3}"/>
               </a:ext>
             </a:extLst>
           </p:cNvPr>
           <p:cNvPicPr>
-            <a:picLocks noChangeAspect="1"/>
+            <a:picLocks noChangeAspect="1" noChangeArrowheads="1"/>
           </p:cNvPicPr>
           <p:nvPr/>
         </p:nvPicPr>
         <p:blipFill>
-          <a:blip r:embed="rId2">
+          <a:blip r:embed="rId8">
             <a:extLst>
               <a:ext uri="{28A0092B-C50C-407E-A947-70E740481C1C}">
                 <a14:useLocalDpi xmlns:a14="http://schemas.microsoft.com/office/drawing/2010/main" val="0"/>
               </a:ext>
             </a:extLst>
           </a:blip>
+          <a:srcRect/>
           <a:stretch>
             <a:fillRect/>
           </a:stretch>
         </p:blipFill>
-        <p:spPr>
+        <p:spPr bwMode="auto">
           <a:xfrm>
-            <a:off x="4462818" y="1969076"/>
-            <a:ext cx="7533563" cy="4237630"/>
+            <a:off x="728870" y="3366814"/>
+            <a:ext cx="1783981" cy="678688"/>
           </a:xfrm>
           <a:prstGeom prst="rect">
             <a:avLst/>
           </a:prstGeom>
+          <a:noFill/>
+          <a:extLst>
+            <a:ext uri="{909E8E84-426E-40DD-AFC4-6F175D3DCCD1}">
+              <a14:hiddenFill xmlns:a14="http://schemas.microsoft.com/office/drawing/2010/main">
+                <a:solidFill>
+                  <a:srgbClr val="FFFFFF"/>
+                </a:solidFill>
+              </a14:hiddenFill>
+            </a:ext>
+          </a:extLst>
+        </p:spPr>
+      </p:pic>
+      <p:pic>
+        <p:nvPicPr>
+          <p:cNvPr id="6" name="Picture 6" descr="Luigimaria BORRUSO | PostDoc Position | PhD | Free University of  Bozen-Bolzano, Bolzano | Unibolzano | Faculty of Agricultural,  Environmental and Food Sciences | Research profile">
+            <a:extLst>
+              <a:ext uri="{FF2B5EF4-FFF2-40B4-BE49-F238E27FC236}">
+                <a16:creationId xmlns:a16="http://schemas.microsoft.com/office/drawing/2014/main" id="{06CEA0A4-A0AE-7A09-05F4-0D572CDA6A54}"/>
+              </a:ext>
+            </a:extLst>
+          </p:cNvPr>
+          <p:cNvPicPr>
+            <a:picLocks noChangeAspect="1" noChangeArrowheads="1"/>
+          </p:cNvPicPr>
+          <p:nvPr/>
+        </p:nvPicPr>
+        <p:blipFill>
+          <a:blip r:embed="rId9">
+            <a:extLst>
+              <a:ext uri="{28A0092B-C50C-407E-A947-70E740481C1C}">
+                <a14:useLocalDpi xmlns:a14="http://schemas.microsoft.com/office/drawing/2010/main" val="0"/>
+              </a:ext>
+            </a:extLst>
+          </a:blip>
+          <a:srcRect/>
+          <a:stretch>
+            <a:fillRect/>
+          </a:stretch>
+        </p:blipFill>
+        <p:spPr bwMode="auto">
+          <a:xfrm>
+            <a:off x="4661408" y="1923498"/>
+            <a:ext cx="2122004" cy="2122004"/>
+          </a:xfrm>
+          <a:prstGeom prst="rect">
+            <a:avLst/>
+          </a:prstGeom>
+          <a:noFill/>
+          <a:extLst>
+            <a:ext uri="{909E8E84-426E-40DD-AFC4-6F175D3DCCD1}">
+              <a14:hiddenFill xmlns:a14="http://schemas.microsoft.com/office/drawing/2010/main">
+                <a:solidFill>
+                  <a:srgbClr val="FFFFFF"/>
+                </a:solidFill>
+              </a14:hiddenFill>
+            </a:ext>
+          </a:extLst>
+        </p:spPr>
+      </p:pic>
+      <p:pic>
+        <p:nvPicPr>
+          <p:cNvPr id="1032" name="Picture 8" descr="Libera Università di Bolzano - Incontro">
+            <a:extLst>
+              <a:ext uri="{FF2B5EF4-FFF2-40B4-BE49-F238E27FC236}">
+                <a16:creationId xmlns:a16="http://schemas.microsoft.com/office/drawing/2014/main" id="{98F8F1BE-96AC-5413-68EE-F14754323BE0}"/>
+              </a:ext>
+            </a:extLst>
+          </p:cNvPr>
+          <p:cNvPicPr>
+            <a:picLocks noChangeAspect="1" noChangeArrowheads="1"/>
+          </p:cNvPicPr>
+          <p:nvPr/>
+        </p:nvPicPr>
+        <p:blipFill>
+          <a:blip r:embed="rId10">
+            <a:extLst>
+              <a:ext uri="{28A0092B-C50C-407E-A947-70E740481C1C}">
+                <a14:useLocalDpi xmlns:a14="http://schemas.microsoft.com/office/drawing/2010/main" val="0"/>
+              </a:ext>
+            </a:extLst>
+          </a:blip>
+          <a:srcRect/>
+          <a:stretch>
+            <a:fillRect/>
+          </a:stretch>
+        </p:blipFill>
+        <p:spPr bwMode="auto">
+          <a:xfrm>
+            <a:off x="6056201" y="1923498"/>
+            <a:ext cx="727211" cy="727211"/>
+          </a:xfrm>
+          <a:prstGeom prst="rect">
+            <a:avLst/>
+          </a:prstGeom>
+          <a:noFill/>
+          <a:extLst>
+            <a:ext uri="{909E8E84-426E-40DD-AFC4-6F175D3DCCD1}">
+              <a14:hiddenFill xmlns:a14="http://schemas.microsoft.com/office/drawing/2010/main">
+                <a:solidFill>
+                  <a:srgbClr val="FFFFFF"/>
+                </a:solidFill>
+              </a14:hiddenFill>
+            </a:ext>
+          </a:extLst>
+        </p:spPr>
+      </p:pic>
+      <p:pic>
+        <p:nvPicPr>
+          <p:cNvPr id="1034" name="Picture 10" descr="Anna Sandionigi - Data analysis consultant, Industrial researcher - Quantia  Consulting | LinkedIn">
+            <a:extLst>
+              <a:ext uri="{FF2B5EF4-FFF2-40B4-BE49-F238E27FC236}">
+                <a16:creationId xmlns:a16="http://schemas.microsoft.com/office/drawing/2014/main" id="{B5DB7547-77E9-D471-AC0F-3F3D4DC4A6BD}"/>
+              </a:ext>
+            </a:extLst>
+          </p:cNvPr>
+          <p:cNvPicPr>
+            <a:picLocks noChangeAspect="1" noChangeArrowheads="1"/>
+          </p:cNvPicPr>
+          <p:nvPr/>
+        </p:nvPicPr>
+        <p:blipFill>
+          <a:blip r:embed="rId11">
+            <a:extLst>
+              <a:ext uri="{28A0092B-C50C-407E-A947-70E740481C1C}">
+                <a14:useLocalDpi xmlns:a14="http://schemas.microsoft.com/office/drawing/2010/main" val="0"/>
+              </a:ext>
+            </a:extLst>
+          </a:blip>
+          <a:srcRect/>
+          <a:stretch>
+            <a:fillRect/>
+          </a:stretch>
+        </p:blipFill>
+        <p:spPr bwMode="auto">
+          <a:xfrm>
+            <a:off x="8317496" y="1923498"/>
+            <a:ext cx="2122004" cy="2122004"/>
+          </a:xfrm>
+          <a:prstGeom prst="rect">
+            <a:avLst/>
+          </a:prstGeom>
+          <a:noFill/>
+          <a:extLst>
+            <a:ext uri="{909E8E84-426E-40DD-AFC4-6F175D3DCCD1}">
+              <a14:hiddenFill xmlns:a14="http://schemas.microsoft.com/office/drawing/2010/main">
+                <a:solidFill>
+                  <a:srgbClr val="FFFFFF"/>
+                </a:solidFill>
+              </a14:hiddenFill>
+            </a:ext>
+          </a:extLst>
+        </p:spPr>
+      </p:pic>
+      <p:pic>
+        <p:nvPicPr>
+          <p:cNvPr id="1038" name="Picture 14" descr="Milano Bicocca Logo PNG Transparent ...">
+            <a:extLst>
+              <a:ext uri="{FF2B5EF4-FFF2-40B4-BE49-F238E27FC236}">
+                <a16:creationId xmlns:a16="http://schemas.microsoft.com/office/drawing/2014/main" id="{FAEA5AE8-C516-0248-2FA5-6711062CF3C8}"/>
+              </a:ext>
+            </a:extLst>
+          </p:cNvPr>
+          <p:cNvPicPr>
+            <a:picLocks noChangeAspect="1" noChangeArrowheads="1"/>
+          </p:cNvPicPr>
+          <p:nvPr/>
+        </p:nvPicPr>
+        <p:blipFill>
+          <a:blip r:embed="rId12">
+            <a:extLst>
+              <a:ext uri="{28A0092B-C50C-407E-A947-70E740481C1C}">
+                <a14:useLocalDpi xmlns:a14="http://schemas.microsoft.com/office/drawing/2010/main" val="0"/>
+              </a:ext>
+            </a:extLst>
+          </a:blip>
+          <a:srcRect/>
+          <a:stretch>
+            <a:fillRect/>
+          </a:stretch>
+        </p:blipFill>
+        <p:spPr bwMode="auto">
+          <a:xfrm>
+            <a:off x="9948364" y="3561168"/>
+            <a:ext cx="518668" cy="518668"/>
+          </a:xfrm>
+          <a:prstGeom prst="rect">
+            <a:avLst/>
+          </a:prstGeom>
+          <a:noFill/>
+          <a:extLst>
+            <a:ext uri="{909E8E84-426E-40DD-AFC4-6F175D3DCCD1}">
+              <a14:hiddenFill xmlns:a14="http://schemas.microsoft.com/office/drawing/2010/main">
+                <a:solidFill>
+                  <a:srgbClr val="FFFFFF"/>
+                </a:solidFill>
+              </a14:hiddenFill>
+            </a:ext>
+          </a:extLst>
+        </p:spPr>
+      </p:pic>
+      <p:pic>
+        <p:nvPicPr>
+          <p:cNvPr id="1042" name="Picture 18" descr="Quantia Consulting">
+            <a:extLst>
+              <a:ext uri="{FF2B5EF4-FFF2-40B4-BE49-F238E27FC236}">
+                <a16:creationId xmlns:a16="http://schemas.microsoft.com/office/drawing/2014/main" id="{CC99E165-1120-ADD2-5283-780D1DF3F6D1}"/>
+              </a:ext>
+            </a:extLst>
+          </p:cNvPr>
+          <p:cNvPicPr>
+            <a:picLocks noChangeAspect="1" noChangeArrowheads="1"/>
+          </p:cNvPicPr>
+          <p:nvPr/>
+        </p:nvPicPr>
+        <p:blipFill>
+          <a:blip r:embed="rId13">
+            <a:extLst>
+              <a:ext uri="{28A0092B-C50C-407E-A947-70E740481C1C}">
+                <a14:useLocalDpi xmlns:a14="http://schemas.microsoft.com/office/drawing/2010/main" val="0"/>
+              </a:ext>
+            </a:extLst>
+          </a:blip>
+          <a:srcRect/>
+          <a:stretch>
+            <a:fillRect/>
+          </a:stretch>
+        </p:blipFill>
+        <p:spPr bwMode="auto">
+          <a:xfrm>
+            <a:off x="8317496" y="1923498"/>
+            <a:ext cx="642005" cy="279694"/>
+          </a:xfrm>
+          <a:prstGeom prst="rect">
+            <a:avLst/>
+          </a:prstGeom>
+          <a:noFill/>
+          <a:extLst>
+            <a:ext uri="{909E8E84-426E-40DD-AFC4-6F175D3DCCD1}">
+              <a14:hiddenFill xmlns:a14="http://schemas.microsoft.com/office/drawing/2010/main">
+                <a:solidFill>
+                  <a:srgbClr val="FFFFFF"/>
+                </a:solidFill>
+              </a14:hiddenFill>
+            </a:ext>
+          </a:extLst>
         </p:spPr>
       </p:pic>
     </p:spTree>
